--- a/FinalPresentationPP1BLOSUMSNAP.pptx
+++ b/FinalPresentationPP1BLOSUMSNAP.pptx
@@ -1,18 +1,18 @@
 
 <file path=ppt/presentation.xml><?xml version="1.0" encoding="utf-8"?>
-<p:presentation xmlns:a="http://schemas.openxmlformats.org/drawingml/2006/main" xmlns:r="http://schemas.openxmlformats.org/officeDocument/2006/relationships" xmlns:p="http://schemas.openxmlformats.org/presentationml/2006/main" xmlns:m="http://schemas.openxmlformats.org/officeDocument/2006/math" xmlns:a14="http://schemas.microsoft.com/office/drawing/2010/main">
+<p:presentation xmlns:a="http://schemas.openxmlformats.org/drawingml/2006/main" xmlns:r="http://schemas.openxmlformats.org/officeDocument/2006/relationships" xmlns:p="http://schemas.openxmlformats.org/presentationml/2006/main">
   <p:sldMasterIdLst>
-    <p:sldMasterId id="2147483648" r:id="rId5"/>
+    <p:sldMasterId id="2147483648" r:id="rId1"/>
   </p:sldMasterIdLst>
   <p:notesMasterIdLst>
     <p:notesMasterId r:id="rId7"/>
   </p:notesMasterIdLst>
   <p:sldIdLst>
-    <p:sldId id="256" r:id="rId8"/>
-    <p:sldId id="257" r:id="rId9"/>
-    <p:sldId id="258" r:id="rId10"/>
-    <p:sldId id="259" r:id="rId11"/>
-    <p:sldId id="260" r:id="rId12"/>
+    <p:sldId id="256" r:id="rId2"/>
+    <p:sldId id="257" r:id="rId3"/>
+    <p:sldId id="258" r:id="rId4"/>
+    <p:sldId id="259" r:id="rId5"/>
+    <p:sldId id="260" r:id="rId6"/>
   </p:sldIdLst>
   <p:sldSz cx="12192000" cy="6858000"/>
   <p:notesSz cx="6858000" cy="9144000"/>
@@ -32,7 +32,7 @@
       <a:buFontTx/>
       <a:buNone/>
       <a:tabLst/>
-      <a:defRPr b="0" baseline="0" cap="none" i="0" spc="0" strike="noStrike" sz="1800" u="none" kumimoji="0" normalizeH="0">
+      <a:defRPr kumimoji="0" sz="1800" b="0" i="0" u="none" strike="noStrike" cap="none" spc="0" normalizeH="0" baseline="0">
         <a:ln>
           <a:noFill/>
         </a:ln>
@@ -58,7 +58,7 @@
       <a:buFontTx/>
       <a:buNone/>
       <a:tabLst/>
-      <a:defRPr b="0" baseline="0" cap="none" i="0" spc="0" strike="noStrike" sz="1800" u="none" kumimoji="0" normalizeH="0">
+      <a:defRPr kumimoji="0" sz="1800" b="0" i="0" u="none" strike="noStrike" cap="none" spc="0" normalizeH="0" baseline="0">
         <a:ln>
           <a:noFill/>
         </a:ln>
@@ -88,7 +88,7 @@
       <a:buFontTx/>
       <a:buNone/>
       <a:tabLst/>
-      <a:defRPr b="0" baseline="0" cap="none" i="0" spc="0" strike="noStrike" sz="1800" u="none" kumimoji="0" normalizeH="0">
+      <a:defRPr kumimoji="0" sz="1800" b="0" i="0" u="none" strike="noStrike" cap="none" spc="0" normalizeH="0" baseline="0">
         <a:ln>
           <a:noFill/>
         </a:ln>
@@ -118,7 +118,7 @@
       <a:buFontTx/>
       <a:buNone/>
       <a:tabLst/>
-      <a:defRPr b="0" baseline="0" cap="none" i="0" spc="0" strike="noStrike" sz="1800" u="none" kumimoji="0" normalizeH="0">
+      <a:defRPr kumimoji="0" sz="1800" b="0" i="0" u="none" strike="noStrike" cap="none" spc="0" normalizeH="0" baseline="0">
         <a:ln>
           <a:noFill/>
         </a:ln>
@@ -148,7 +148,7 @@
       <a:buFontTx/>
       <a:buNone/>
       <a:tabLst/>
-      <a:defRPr b="0" baseline="0" cap="none" i="0" spc="0" strike="noStrike" sz="1800" u="none" kumimoji="0" normalizeH="0">
+      <a:defRPr kumimoji="0" sz="1800" b="0" i="0" u="none" strike="noStrike" cap="none" spc="0" normalizeH="0" baseline="0">
         <a:ln>
           <a:noFill/>
         </a:ln>
@@ -178,7 +178,7 @@
       <a:buFontTx/>
       <a:buNone/>
       <a:tabLst/>
-      <a:defRPr b="0" baseline="0" cap="none" i="0" spc="0" strike="noStrike" sz="1800" u="none" kumimoji="0" normalizeH="0">
+      <a:defRPr kumimoji="0" sz="1800" b="0" i="0" u="none" strike="noStrike" cap="none" spc="0" normalizeH="0" baseline="0">
         <a:ln>
           <a:noFill/>
         </a:ln>
@@ -208,7 +208,7 @@
       <a:buFontTx/>
       <a:buNone/>
       <a:tabLst/>
-      <a:defRPr b="0" baseline="0" cap="none" i="0" spc="0" strike="noStrike" sz="1800" u="none" kumimoji="0" normalizeH="0">
+      <a:defRPr kumimoji="0" sz="1800" b="0" i="0" u="none" strike="noStrike" cap="none" spc="0" normalizeH="0" baseline="0">
         <a:ln>
           <a:noFill/>
         </a:ln>
@@ -238,7 +238,7 @@
       <a:buFontTx/>
       <a:buNone/>
       <a:tabLst/>
-      <a:defRPr b="0" baseline="0" cap="none" i="0" spc="0" strike="noStrike" sz="1800" u="none" kumimoji="0" normalizeH="0">
+      <a:defRPr kumimoji="0" sz="1800" b="0" i="0" u="none" strike="noStrike" cap="none" spc="0" normalizeH="0" baseline="0">
         <a:ln>
           <a:noFill/>
         </a:ln>
@@ -268,7 +268,7 @@
       <a:buFontTx/>
       <a:buNone/>
       <a:tabLst/>
-      <a:defRPr b="0" baseline="0" cap="none" i="0" spc="0" strike="noStrike" sz="1800" u="none" kumimoji="0" normalizeH="0">
+      <a:defRPr kumimoji="0" sz="1800" b="0" i="0" u="none" strike="noStrike" cap="none" spc="0" normalizeH="0" baseline="0">
         <a:ln>
           <a:noFill/>
         </a:ln>
@@ -298,7 +298,7 @@
       <a:buFontTx/>
       <a:buNone/>
       <a:tabLst/>
-      <a:defRPr b="0" baseline="0" cap="none" i="0" spc="0" strike="noStrike" sz="1800" u="none" kumimoji="0" normalizeH="0">
+      <a:defRPr kumimoji="0" sz="1800" b="0" i="0" u="none" strike="noStrike" cap="none" spc="0" normalizeH="0" baseline="0">
         <a:ln>
           <a:noFill/>
         </a:ln>
@@ -317,13 +317,14 @@
 </p:presentation>
 </file>
 
-<file path=ppt/commentAuthors.xml><?xml version="1.0" encoding="utf-8"?>
-<p:cmAuthorLst xmlns:a="http://schemas.openxmlformats.org/drawingml/2006/main" xmlns:r="http://schemas.openxmlformats.org/officeDocument/2006/relationships" xmlns:p="http://schemas.openxmlformats.org/presentationml/2006/main" xmlns:m="http://schemas.openxmlformats.org/officeDocument/2006/math" xmlns:a14="http://schemas.microsoft.com/office/drawing/2010/main"/>
-</file>
-
 <file path=ppt/notesMasters/notesMaster1.xml><?xml version="1.0" encoding="utf-8"?>
-<p:notesMaster xmlns:a="http://schemas.openxmlformats.org/drawingml/2006/main" xmlns:r="http://schemas.openxmlformats.org/officeDocument/2006/relationships" xmlns:p="http://schemas.openxmlformats.org/presentationml/2006/main" xmlns:m="http://schemas.openxmlformats.org/officeDocument/2006/math" xmlns:a14="http://schemas.microsoft.com/office/drawing/2010/main">
+<p:notesMaster xmlns:a="http://schemas.openxmlformats.org/drawingml/2006/main" xmlns:r="http://schemas.openxmlformats.org/officeDocument/2006/relationships" xmlns:p="http://schemas.openxmlformats.org/presentationml/2006/main">
   <p:cSld>
+    <p:bg>
+      <p:bgRef idx="1001">
+        <a:schemeClr val="bg1"/>
+      </p:bgRef>
+    </p:bg>
     <p:spTree>
       <p:nvGrpSpPr>
         <p:cNvPr id="1" name=""/>
@@ -341,7 +342,9 @@
       <p:sp>
         <p:nvSpPr>
           <p:cNvPr id="97" name="Shape 97"/>
-          <p:cNvSpPr/>
+          <p:cNvSpPr>
+            <a:spLocks noGrp="1" noRot="1" noChangeAspect="1"/>
+          </p:cNvSpPr>
           <p:nvPr>
             <p:ph type="sldImg"/>
           </p:nvPr>
@@ -359,14 +362,16 @@
           <a:bodyPr/>
           <a:lstStyle/>
           <a:p>
-            <a:pPr/>
+            <a:endParaRPr/>
           </a:p>
         </p:txBody>
       </p:sp>
       <p:sp>
         <p:nvSpPr>
           <p:cNvPr id="98" name="Shape 98"/>
-          <p:cNvSpPr/>
+          <p:cNvSpPr>
+            <a:spLocks noGrp="1"/>
+          </p:cNvSpPr>
           <p:nvPr>
             <p:ph type="body" sz="quarter" idx="1"/>
           </p:nvPr>
@@ -384,7 +389,7 @@
           <a:bodyPr/>
           <a:lstStyle/>
           <a:p>
-            <a:pPr/>
+            <a:endParaRPr/>
           </a:p>
         </p:txBody>
       </p:sp>
@@ -469,7 +474,7 @@
 </file>
 
 <file path=ppt/slideLayouts/slideLayout1.xml><?xml version="1.0" encoding="utf-8"?>
-<p:sldLayout xmlns:a="http://schemas.openxmlformats.org/drawingml/2006/main" xmlns:r="http://schemas.openxmlformats.org/officeDocument/2006/relationships" xmlns:p="http://schemas.openxmlformats.org/presentationml/2006/main" xmlns:m="http://schemas.openxmlformats.org/officeDocument/2006/math" xmlns:a14="http://schemas.microsoft.com/office/drawing/2010/main" type="title" showMasterSp="0" showMasterPhAnim="1">
+<p:sldLayout xmlns:a="http://schemas.openxmlformats.org/drawingml/2006/main" xmlns:r="http://schemas.openxmlformats.org/officeDocument/2006/relationships" xmlns:p="http://schemas.openxmlformats.org/presentationml/2006/main" showMasterSp="0" type="title">
   <p:cSld name="Titelfolie">
     <p:spTree>
       <p:nvGrpSpPr>
@@ -488,7 +493,9 @@
       <p:sp>
         <p:nvSpPr>
           <p:cNvPr id="13" name="Title Text"/>
-          <p:cNvSpPr txBox="1"/>
+          <p:cNvSpPr txBox="1">
+            <a:spLocks noGrp="1"/>
+          </p:cNvSpPr>
           <p:nvPr>
             <p:ph type="title"/>
           </p:nvPr>
@@ -510,7 +517,6 @@
             </a:lvl1pPr>
           </a:lstStyle>
           <a:p>
-            <a:pPr/>
             <a:r>
               <a:t>Title Text</a:t>
             </a:r>
@@ -520,7 +526,9 @@
       <p:sp>
         <p:nvSpPr>
           <p:cNvPr id="14" name="Body Level One…"/>
-          <p:cNvSpPr txBox="1"/>
+          <p:cNvSpPr txBox="1">
+            <a:spLocks noGrp="1"/>
+          </p:cNvSpPr>
           <p:nvPr>
             <p:ph type="body" sz="quarter" idx="1"/>
           </p:nvPr>
@@ -569,7 +577,6 @@
             </a:lvl5pPr>
           </a:lstStyle>
           <a:p>
-            <a:pPr/>
             <a:r>
               <a:t>Body Level One</a:t>
             </a:r>
@@ -603,7 +610,9 @@
       <p:sp>
         <p:nvSpPr>
           <p:cNvPr id="15" name="Slide Number"/>
-          <p:cNvSpPr txBox="1"/>
+          <p:cNvSpPr txBox="1">
+            <a:spLocks noGrp="1"/>
+          </p:cNvSpPr>
           <p:nvPr>
             <p:ph type="sldNum" sz="quarter" idx="2"/>
           </p:nvPr>
@@ -617,8 +626,10 @@
           <a:bodyPr/>
           <a:lstStyle/>
           <a:p>
-            <a:pPr/>
-            <a:fld id="{86CB4B4D-7CA3-9044-876B-883B54F8677D}" type="slidenum"/>
+            <a:fld id="{86CB4B4D-7CA3-9044-876B-883B54F8677D}" type="slidenum">
+              <a:t>‹#›</a:t>
+            </a:fld>
+            <a:endParaRPr/>
           </a:p>
         </p:txBody>
       </p:sp>
@@ -686,12 +697,12 @@
   <p:clrMapOvr>
     <a:masterClrMapping/>
   </p:clrMapOvr>
-  <p:transition xmlns:p14="http://schemas.microsoft.com/office/powerpoint/2010/main" spd="med" advClick="1"/>
+  <p:transition spd="med"/>
 </p:sldLayout>
 </file>
 
 <file path=ppt/slideLayouts/slideLayout2.xml><?xml version="1.0" encoding="utf-8"?>
-<p:sldLayout xmlns:a="http://schemas.openxmlformats.org/drawingml/2006/main" xmlns:r="http://schemas.openxmlformats.org/officeDocument/2006/relationships" xmlns:p="http://schemas.openxmlformats.org/presentationml/2006/main" xmlns:m="http://schemas.openxmlformats.org/officeDocument/2006/math" xmlns:a14="http://schemas.microsoft.com/office/drawing/2010/main" type="tx" showMasterSp="1" showMasterPhAnim="1">
+<p:sldLayout xmlns:a="http://schemas.openxmlformats.org/drawingml/2006/main" xmlns:r="http://schemas.openxmlformats.org/officeDocument/2006/relationships" xmlns:p="http://schemas.openxmlformats.org/presentationml/2006/main" type="tx">
   <p:cSld name="Titel und Inhalt">
     <p:spTree>
       <p:nvGrpSpPr>
@@ -710,7 +721,9 @@
       <p:sp>
         <p:nvSpPr>
           <p:cNvPr id="24" name="Title Text"/>
-          <p:cNvSpPr txBox="1"/>
+          <p:cNvSpPr txBox="1">
+            <a:spLocks noGrp="1"/>
+          </p:cNvSpPr>
           <p:nvPr>
             <p:ph type="title"/>
           </p:nvPr>
@@ -724,7 +737,6 @@
           <a:bodyPr/>
           <a:lstStyle/>
           <a:p>
-            <a:pPr/>
             <a:r>
               <a:t>Title Text</a:t>
             </a:r>
@@ -734,7 +746,9 @@
       <p:sp>
         <p:nvSpPr>
           <p:cNvPr id="25" name="Body Level One…"/>
-          <p:cNvSpPr txBox="1"/>
+          <p:cNvSpPr txBox="1">
+            <a:spLocks noGrp="1"/>
+          </p:cNvSpPr>
           <p:nvPr>
             <p:ph type="body" idx="1"/>
           </p:nvPr>
@@ -748,7 +762,6 @@
           <a:bodyPr/>
           <a:lstStyle/>
           <a:p>
-            <a:pPr/>
             <a:r>
               <a:t>Body Level One</a:t>
             </a:r>
@@ -782,7 +795,9 @@
       <p:sp>
         <p:nvSpPr>
           <p:cNvPr id="26" name="Slide Number"/>
-          <p:cNvSpPr txBox="1"/>
+          <p:cNvSpPr txBox="1">
+            <a:spLocks noGrp="1"/>
+          </p:cNvSpPr>
           <p:nvPr>
             <p:ph type="sldNum" sz="quarter" idx="2"/>
           </p:nvPr>
@@ -796,8 +811,10 @@
           <a:bodyPr/>
           <a:lstStyle/>
           <a:p>
-            <a:pPr/>
-            <a:fld id="{86CB4B4D-7CA3-9044-876B-883B54F8677D}" type="slidenum"/>
+            <a:fld id="{86CB4B4D-7CA3-9044-876B-883B54F8677D}" type="slidenum">
+              <a:t>‹#›</a:t>
+            </a:fld>
+            <a:endParaRPr/>
           </a:p>
         </p:txBody>
       </p:sp>
@@ -806,12 +823,12 @@
   <p:clrMapOvr>
     <a:masterClrMapping/>
   </p:clrMapOvr>
-  <p:transition xmlns:p14="http://schemas.microsoft.com/office/powerpoint/2010/main" spd="med" advClick="1"/>
+  <p:transition spd="med"/>
 </p:sldLayout>
 </file>
 
 <file path=ppt/slideLayouts/slideLayout3.xml><?xml version="1.0" encoding="utf-8"?>
-<p:sldLayout xmlns:a="http://schemas.openxmlformats.org/drawingml/2006/main" xmlns:r="http://schemas.openxmlformats.org/officeDocument/2006/relationships" xmlns:p="http://schemas.openxmlformats.org/presentationml/2006/main" xmlns:m="http://schemas.openxmlformats.org/officeDocument/2006/math" xmlns:a14="http://schemas.microsoft.com/office/drawing/2010/main" type="tx" showMasterSp="0" showMasterPhAnim="1">
+<p:sldLayout xmlns:a="http://schemas.openxmlformats.org/drawingml/2006/main" xmlns:r="http://schemas.openxmlformats.org/officeDocument/2006/relationships" xmlns:p="http://schemas.openxmlformats.org/presentationml/2006/main" showMasterSp="0" type="tx">
   <p:cSld name="Abschnitts-&#10;überschrift">
     <p:spTree>
       <p:nvGrpSpPr>
@@ -830,7 +847,9 @@
       <p:sp>
         <p:nvSpPr>
           <p:cNvPr id="33" name="Title Text"/>
-          <p:cNvSpPr txBox="1"/>
+          <p:cNvSpPr txBox="1">
+            <a:spLocks noGrp="1"/>
+          </p:cNvSpPr>
           <p:nvPr>
             <p:ph type="title"/>
           </p:nvPr>
@@ -852,7 +871,6 @@
             </a:lvl1pPr>
           </a:lstStyle>
           <a:p>
-            <a:pPr/>
             <a:r>
               <a:t>Title Text</a:t>
             </a:r>
@@ -862,7 +880,9 @@
       <p:sp>
         <p:nvSpPr>
           <p:cNvPr id="34" name="Body Level One…"/>
-          <p:cNvSpPr txBox="1"/>
+          <p:cNvSpPr txBox="1">
+            <a:spLocks noGrp="1"/>
+          </p:cNvSpPr>
           <p:nvPr>
             <p:ph type="body" sz="quarter" idx="1"/>
           </p:nvPr>
@@ -931,7 +951,6 @@
             </a:lvl5pPr>
           </a:lstStyle>
           <a:p>
-            <a:pPr/>
             <a:r>
               <a:t>Body Level One</a:t>
             </a:r>
@@ -965,7 +984,9 @@
       <p:sp>
         <p:nvSpPr>
           <p:cNvPr id="35" name="Slide Number"/>
-          <p:cNvSpPr txBox="1"/>
+          <p:cNvSpPr txBox="1">
+            <a:spLocks noGrp="1"/>
+          </p:cNvSpPr>
           <p:nvPr>
             <p:ph type="sldNum" sz="quarter" idx="2"/>
           </p:nvPr>
@@ -979,8 +1000,10 @@
           <a:bodyPr/>
           <a:lstStyle/>
           <a:p>
-            <a:pPr/>
-            <a:fld id="{86CB4B4D-7CA3-9044-876B-883B54F8677D}" type="slidenum"/>
+            <a:fld id="{86CB4B4D-7CA3-9044-876B-883B54F8677D}" type="slidenum">
+              <a:t>‹#›</a:t>
+            </a:fld>
+            <a:endParaRPr/>
           </a:p>
         </p:txBody>
       </p:sp>
@@ -989,12 +1012,12 @@
   <p:clrMapOvr>
     <a:masterClrMapping/>
   </p:clrMapOvr>
-  <p:transition xmlns:p14="http://schemas.microsoft.com/office/powerpoint/2010/main" spd="med" advClick="1"/>
+  <p:transition spd="med"/>
 </p:sldLayout>
 </file>
 
 <file path=ppt/slideLayouts/slideLayout4.xml><?xml version="1.0" encoding="utf-8"?>
-<p:sldLayout xmlns:a="http://schemas.openxmlformats.org/drawingml/2006/main" xmlns:r="http://schemas.openxmlformats.org/officeDocument/2006/relationships" xmlns:p="http://schemas.openxmlformats.org/presentationml/2006/main" xmlns:m="http://schemas.openxmlformats.org/officeDocument/2006/math" xmlns:a14="http://schemas.microsoft.com/office/drawing/2010/main" type="tx" showMasterSp="0" showMasterPhAnim="1">
+<p:sldLayout xmlns:a="http://schemas.openxmlformats.org/drawingml/2006/main" xmlns:r="http://schemas.openxmlformats.org/officeDocument/2006/relationships" xmlns:p="http://schemas.openxmlformats.org/presentationml/2006/main" showMasterSp="0" type="tx">
   <p:cSld name="Zwei Inhalte">
     <p:spTree>
       <p:nvGrpSpPr>
@@ -1013,7 +1036,9 @@
       <p:sp>
         <p:nvSpPr>
           <p:cNvPr id="42" name="Title Text"/>
-          <p:cNvSpPr txBox="1"/>
+          <p:cNvSpPr txBox="1">
+            <a:spLocks noGrp="1"/>
+          </p:cNvSpPr>
           <p:nvPr>
             <p:ph type="title"/>
           </p:nvPr>
@@ -1027,7 +1052,6 @@
           <a:bodyPr/>
           <a:lstStyle/>
           <a:p>
-            <a:pPr/>
             <a:r>
               <a:t>Title Text</a:t>
             </a:r>
@@ -1037,7 +1061,9 @@
       <p:sp>
         <p:nvSpPr>
           <p:cNvPr id="43" name="Body Level One…"/>
-          <p:cNvSpPr txBox="1"/>
+          <p:cNvSpPr txBox="1">
+            <a:spLocks noGrp="1"/>
+          </p:cNvSpPr>
           <p:nvPr>
             <p:ph type="body" sz="half" idx="1"/>
           </p:nvPr>
@@ -1055,7 +1081,6 @@
           <a:bodyPr/>
           <a:lstStyle/>
           <a:p>
-            <a:pPr/>
             <a:r>
               <a:t>Body Level One</a:t>
             </a:r>
@@ -1089,7 +1114,9 @@
       <p:sp>
         <p:nvSpPr>
           <p:cNvPr id="44" name="Slide Number"/>
-          <p:cNvSpPr txBox="1"/>
+          <p:cNvSpPr txBox="1">
+            <a:spLocks noGrp="1"/>
+          </p:cNvSpPr>
           <p:nvPr>
             <p:ph type="sldNum" sz="quarter" idx="2"/>
           </p:nvPr>
@@ -1103,8 +1130,10 @@
           <a:bodyPr/>
           <a:lstStyle/>
           <a:p>
-            <a:pPr/>
-            <a:fld id="{86CB4B4D-7CA3-9044-876B-883B54F8677D}" type="slidenum"/>
+            <a:fld id="{86CB4B4D-7CA3-9044-876B-883B54F8677D}" type="slidenum">
+              <a:t>‹#›</a:t>
+            </a:fld>
+            <a:endParaRPr/>
           </a:p>
         </p:txBody>
       </p:sp>
@@ -1172,12 +1201,12 @@
   <p:clrMapOvr>
     <a:masterClrMapping/>
   </p:clrMapOvr>
-  <p:transition xmlns:p14="http://schemas.microsoft.com/office/powerpoint/2010/main" spd="med" advClick="1"/>
+  <p:transition spd="med"/>
 </p:sldLayout>
 </file>
 
 <file path=ppt/slideLayouts/slideLayout5.xml><?xml version="1.0" encoding="utf-8"?>
-<p:sldLayout xmlns:a="http://schemas.openxmlformats.org/drawingml/2006/main" xmlns:r="http://schemas.openxmlformats.org/officeDocument/2006/relationships" xmlns:p="http://schemas.openxmlformats.org/presentationml/2006/main" xmlns:m="http://schemas.openxmlformats.org/officeDocument/2006/math" xmlns:a14="http://schemas.microsoft.com/office/drawing/2010/main" type="tx" showMasterSp="0" showMasterPhAnim="1">
+<p:sldLayout xmlns:a="http://schemas.openxmlformats.org/drawingml/2006/main" xmlns:r="http://schemas.openxmlformats.org/officeDocument/2006/relationships" xmlns:p="http://schemas.openxmlformats.org/presentationml/2006/main" showMasterSp="0" type="tx">
   <p:cSld name="Vergleich">
     <p:spTree>
       <p:nvGrpSpPr>
@@ -1196,7 +1225,9 @@
       <p:sp>
         <p:nvSpPr>
           <p:cNvPr id="53" name="Title Text"/>
-          <p:cNvSpPr txBox="1"/>
+          <p:cNvSpPr txBox="1">
+            <a:spLocks noGrp="1"/>
+          </p:cNvSpPr>
           <p:nvPr>
             <p:ph type="title"/>
           </p:nvPr>
@@ -1214,7 +1245,6 @@
           <a:bodyPr/>
           <a:lstStyle/>
           <a:p>
-            <a:pPr/>
             <a:r>
               <a:t>Title Text</a:t>
             </a:r>
@@ -1224,7 +1254,9 @@
       <p:sp>
         <p:nvSpPr>
           <p:cNvPr id="54" name="Body Level One…"/>
-          <p:cNvSpPr txBox="1"/>
+          <p:cNvSpPr txBox="1">
+            <a:spLocks noGrp="1"/>
+          </p:cNvSpPr>
           <p:nvPr>
             <p:ph type="body" sz="quarter" idx="1"/>
           </p:nvPr>
@@ -1245,35 +1277,34 @@
               <a:buSzTx/>
               <a:buFontTx/>
               <a:buNone/>
-              <a:defRPr b="1" sz="2400"/>
+              <a:defRPr sz="2400" b="1"/>
             </a:lvl1pPr>
             <a:lvl2pPr marL="0" indent="457200">
               <a:buSzTx/>
               <a:buFontTx/>
               <a:buNone/>
-              <a:defRPr b="1" sz="2400"/>
+              <a:defRPr sz="2400" b="1"/>
             </a:lvl2pPr>
             <a:lvl3pPr marL="0" indent="914400">
               <a:buSzTx/>
               <a:buFontTx/>
               <a:buNone/>
-              <a:defRPr b="1" sz="2400"/>
+              <a:defRPr sz="2400" b="1"/>
             </a:lvl3pPr>
             <a:lvl4pPr marL="0" indent="1371600">
               <a:buSzTx/>
               <a:buFontTx/>
               <a:buNone/>
-              <a:defRPr b="1" sz="2400"/>
+              <a:defRPr sz="2400" b="1"/>
             </a:lvl4pPr>
             <a:lvl5pPr marL="0" indent="1828800">
               <a:buSzTx/>
               <a:buFontTx/>
               <a:buNone/>
-              <a:defRPr b="1" sz="2400"/>
+              <a:defRPr sz="2400" b="1"/>
             </a:lvl5pPr>
           </a:lstStyle>
           <a:p>
-            <a:pPr/>
             <a:r>
               <a:t>Body Level One</a:t>
             </a:r>
@@ -1307,7 +1338,9 @@
       <p:sp>
         <p:nvSpPr>
           <p:cNvPr id="55" name="Textplatzhalter 4"/>
-          <p:cNvSpPr/>
+          <p:cNvSpPr>
+            <a:spLocks noGrp="1"/>
+          </p:cNvSpPr>
           <p:nvPr>
             <p:ph type="body" sz="quarter" idx="13"/>
           </p:nvPr>
@@ -1329,15 +1362,18 @@
               <a:buSzTx/>
               <a:buFontTx/>
               <a:buNone/>
-              <a:defRPr b="1" sz="2400"/>
+              <a:defRPr sz="2400" b="1"/>
             </a:pPr>
+            <a:endParaRPr/>
           </a:p>
         </p:txBody>
       </p:sp>
       <p:sp>
         <p:nvSpPr>
           <p:cNvPr id="56" name="Slide Number"/>
-          <p:cNvSpPr txBox="1"/>
+          <p:cNvSpPr txBox="1">
+            <a:spLocks noGrp="1"/>
+          </p:cNvSpPr>
           <p:nvPr>
             <p:ph type="sldNum" sz="quarter" idx="2"/>
           </p:nvPr>
@@ -1351,8 +1387,10 @@
           <a:bodyPr/>
           <a:lstStyle/>
           <a:p>
-            <a:pPr/>
-            <a:fld id="{86CB4B4D-7CA3-9044-876B-883B54F8677D}" type="slidenum"/>
+            <a:fld id="{86CB4B4D-7CA3-9044-876B-883B54F8677D}" type="slidenum">
+              <a:t>‹#›</a:t>
+            </a:fld>
+            <a:endParaRPr/>
           </a:p>
         </p:txBody>
       </p:sp>
@@ -1361,12 +1399,12 @@
   <p:clrMapOvr>
     <a:masterClrMapping/>
   </p:clrMapOvr>
-  <p:transition xmlns:p14="http://schemas.microsoft.com/office/powerpoint/2010/main" spd="med" advClick="1"/>
+  <p:transition spd="med"/>
 </p:sldLayout>
 </file>
 
 <file path=ppt/slideLayouts/slideLayout6.xml><?xml version="1.0" encoding="utf-8"?>
-<p:sldLayout xmlns:a="http://schemas.openxmlformats.org/drawingml/2006/main" xmlns:r="http://schemas.openxmlformats.org/officeDocument/2006/relationships" xmlns:p="http://schemas.openxmlformats.org/presentationml/2006/main" xmlns:m="http://schemas.openxmlformats.org/officeDocument/2006/math" xmlns:a14="http://schemas.microsoft.com/office/drawing/2010/main" type="tx" showMasterSp="0" showMasterPhAnim="1">
+<p:sldLayout xmlns:a="http://schemas.openxmlformats.org/drawingml/2006/main" xmlns:r="http://schemas.openxmlformats.org/officeDocument/2006/relationships" xmlns:p="http://schemas.openxmlformats.org/presentationml/2006/main" showMasterSp="0" type="tx">
   <p:cSld name="Nur Titel">
     <p:spTree>
       <p:nvGrpSpPr>
@@ -1385,7 +1423,9 @@
       <p:sp>
         <p:nvSpPr>
           <p:cNvPr id="63" name="Title Text"/>
-          <p:cNvSpPr txBox="1"/>
+          <p:cNvSpPr txBox="1">
+            <a:spLocks noGrp="1"/>
+          </p:cNvSpPr>
           <p:nvPr>
             <p:ph type="title"/>
           </p:nvPr>
@@ -1399,7 +1439,6 @@
           <a:bodyPr/>
           <a:lstStyle/>
           <a:p>
-            <a:pPr/>
             <a:r>
               <a:t>Title Text</a:t>
             </a:r>
@@ -1409,7 +1448,9 @@
       <p:sp>
         <p:nvSpPr>
           <p:cNvPr id="64" name="Slide Number"/>
-          <p:cNvSpPr txBox="1"/>
+          <p:cNvSpPr txBox="1">
+            <a:spLocks noGrp="1"/>
+          </p:cNvSpPr>
           <p:nvPr>
             <p:ph type="sldNum" sz="quarter" idx="2"/>
           </p:nvPr>
@@ -1423,8 +1464,10 @@
           <a:bodyPr/>
           <a:lstStyle/>
           <a:p>
-            <a:pPr/>
-            <a:fld id="{86CB4B4D-7CA3-9044-876B-883B54F8677D}" type="slidenum"/>
+            <a:fld id="{86CB4B4D-7CA3-9044-876B-883B54F8677D}" type="slidenum">
+              <a:t>‹#›</a:t>
+            </a:fld>
+            <a:endParaRPr/>
           </a:p>
         </p:txBody>
       </p:sp>
@@ -1433,12 +1476,12 @@
   <p:clrMapOvr>
     <a:masterClrMapping/>
   </p:clrMapOvr>
-  <p:transition xmlns:p14="http://schemas.microsoft.com/office/powerpoint/2010/main" spd="med" advClick="1"/>
+  <p:transition spd="med"/>
 </p:sldLayout>
 </file>
 
 <file path=ppt/slideLayouts/slideLayout7.xml><?xml version="1.0" encoding="utf-8"?>
-<p:sldLayout xmlns:a="http://schemas.openxmlformats.org/drawingml/2006/main" xmlns:r="http://schemas.openxmlformats.org/officeDocument/2006/relationships" xmlns:p="http://schemas.openxmlformats.org/presentationml/2006/main" xmlns:m="http://schemas.openxmlformats.org/officeDocument/2006/math" xmlns:a14="http://schemas.microsoft.com/office/drawing/2010/main" type="tx" showMasterSp="0" showMasterPhAnim="1">
+<p:sldLayout xmlns:a="http://schemas.openxmlformats.org/drawingml/2006/main" xmlns:r="http://schemas.openxmlformats.org/officeDocument/2006/relationships" xmlns:p="http://schemas.openxmlformats.org/presentationml/2006/main" showMasterSp="0" type="tx">
   <p:cSld name="Leer">
     <p:spTree>
       <p:nvGrpSpPr>
@@ -1457,7 +1500,9 @@
       <p:sp>
         <p:nvSpPr>
           <p:cNvPr id="71" name="Slide Number"/>
-          <p:cNvSpPr txBox="1"/>
+          <p:cNvSpPr txBox="1">
+            <a:spLocks noGrp="1"/>
+          </p:cNvSpPr>
           <p:nvPr>
             <p:ph type="sldNum" sz="quarter" idx="2"/>
           </p:nvPr>
@@ -1471,8 +1516,10 @@
           <a:bodyPr/>
           <a:lstStyle/>
           <a:p>
-            <a:pPr/>
-            <a:fld id="{86CB4B4D-7CA3-9044-876B-883B54F8677D}" type="slidenum"/>
+            <a:fld id="{86CB4B4D-7CA3-9044-876B-883B54F8677D}" type="slidenum">
+              <a:t>‹#›</a:t>
+            </a:fld>
+            <a:endParaRPr/>
           </a:p>
         </p:txBody>
       </p:sp>
@@ -1481,12 +1528,12 @@
   <p:clrMapOvr>
     <a:masterClrMapping/>
   </p:clrMapOvr>
-  <p:transition xmlns:p14="http://schemas.microsoft.com/office/powerpoint/2010/main" spd="med" advClick="1"/>
+  <p:transition spd="med"/>
 </p:sldLayout>
 </file>
 
 <file path=ppt/slideLayouts/slideLayout8.xml><?xml version="1.0" encoding="utf-8"?>
-<p:sldLayout xmlns:a="http://schemas.openxmlformats.org/drawingml/2006/main" xmlns:r="http://schemas.openxmlformats.org/officeDocument/2006/relationships" xmlns:p="http://schemas.openxmlformats.org/presentationml/2006/main" xmlns:m="http://schemas.openxmlformats.org/officeDocument/2006/math" xmlns:a14="http://schemas.microsoft.com/office/drawing/2010/main" type="tx" showMasterSp="0" showMasterPhAnim="1">
+<p:sldLayout xmlns:a="http://schemas.openxmlformats.org/drawingml/2006/main" xmlns:r="http://schemas.openxmlformats.org/officeDocument/2006/relationships" xmlns:p="http://schemas.openxmlformats.org/presentationml/2006/main" showMasterSp="0" type="tx">
   <p:cSld name="Inhalt mit Überschrift">
     <p:spTree>
       <p:nvGrpSpPr>
@@ -1505,7 +1552,9 @@
       <p:sp>
         <p:nvSpPr>
           <p:cNvPr id="78" name="Title Text"/>
-          <p:cNvSpPr txBox="1"/>
+          <p:cNvSpPr txBox="1">
+            <a:spLocks noGrp="1"/>
+          </p:cNvSpPr>
           <p:nvPr>
             <p:ph type="title"/>
           </p:nvPr>
@@ -1527,7 +1576,6 @@
             </a:lvl1pPr>
           </a:lstStyle>
           <a:p>
-            <a:pPr/>
             <a:r>
               <a:t>Title Text</a:t>
             </a:r>
@@ -1537,7 +1585,9 @@
       <p:sp>
         <p:nvSpPr>
           <p:cNvPr id="79" name="Body Level One…"/>
-          <p:cNvSpPr txBox="1"/>
+          <p:cNvSpPr txBox="1">
+            <a:spLocks noGrp="1"/>
+          </p:cNvSpPr>
           <p:nvPr>
             <p:ph type="body" sz="half" idx="1"/>
           </p:nvPr>
@@ -1571,7 +1621,6 @@
             </a:lvl5pPr>
           </a:lstStyle>
           <a:p>
-            <a:pPr/>
             <a:r>
               <a:t>Body Level One</a:t>
             </a:r>
@@ -1605,7 +1654,9 @@
       <p:sp>
         <p:nvSpPr>
           <p:cNvPr id="80" name="Textplatzhalter 3"/>
-          <p:cNvSpPr/>
+          <p:cNvSpPr>
+            <a:spLocks noGrp="1"/>
+          </p:cNvSpPr>
           <p:nvPr>
             <p:ph type="body" sz="quarter" idx="13"/>
           </p:nvPr>
@@ -1629,13 +1680,16 @@
               <a:buNone/>
               <a:defRPr sz="1600"/>
             </a:pPr>
+            <a:endParaRPr/>
           </a:p>
         </p:txBody>
       </p:sp>
       <p:sp>
         <p:nvSpPr>
           <p:cNvPr id="81" name="Slide Number"/>
-          <p:cNvSpPr txBox="1"/>
+          <p:cNvSpPr txBox="1">
+            <a:spLocks noGrp="1"/>
+          </p:cNvSpPr>
           <p:nvPr>
             <p:ph type="sldNum" sz="quarter" idx="2"/>
           </p:nvPr>
@@ -1649,8 +1703,10 @@
           <a:bodyPr/>
           <a:lstStyle/>
           <a:p>
-            <a:pPr/>
-            <a:fld id="{86CB4B4D-7CA3-9044-876B-883B54F8677D}" type="slidenum"/>
+            <a:fld id="{86CB4B4D-7CA3-9044-876B-883B54F8677D}" type="slidenum">
+              <a:t>‹#›</a:t>
+            </a:fld>
+            <a:endParaRPr/>
           </a:p>
         </p:txBody>
       </p:sp>
@@ -1659,12 +1715,12 @@
   <p:clrMapOvr>
     <a:masterClrMapping/>
   </p:clrMapOvr>
-  <p:transition xmlns:p14="http://schemas.microsoft.com/office/powerpoint/2010/main" spd="med" advClick="1"/>
+  <p:transition spd="med"/>
 </p:sldLayout>
 </file>
 
 <file path=ppt/slideLayouts/slideLayout9.xml><?xml version="1.0" encoding="utf-8"?>
-<p:sldLayout xmlns:a="http://schemas.openxmlformats.org/drawingml/2006/main" xmlns:r="http://schemas.openxmlformats.org/officeDocument/2006/relationships" xmlns:p="http://schemas.openxmlformats.org/presentationml/2006/main" xmlns:m="http://schemas.openxmlformats.org/officeDocument/2006/math" xmlns:a14="http://schemas.microsoft.com/office/drawing/2010/main" type="tx" showMasterSp="0" showMasterPhAnim="1">
+<p:sldLayout xmlns:a="http://schemas.openxmlformats.org/drawingml/2006/main" xmlns:r="http://schemas.openxmlformats.org/officeDocument/2006/relationships" xmlns:p="http://schemas.openxmlformats.org/presentationml/2006/main" showMasterSp="0" type="tx">
   <p:cSld name="Bild mit Überschrift">
     <p:spTree>
       <p:nvGrpSpPr>
@@ -1683,7 +1739,9 @@
       <p:sp>
         <p:nvSpPr>
           <p:cNvPr id="88" name="Title Text"/>
-          <p:cNvSpPr txBox="1"/>
+          <p:cNvSpPr txBox="1">
+            <a:spLocks noGrp="1"/>
+          </p:cNvSpPr>
           <p:nvPr>
             <p:ph type="title"/>
           </p:nvPr>
@@ -1705,7 +1763,6 @@
             </a:lvl1pPr>
           </a:lstStyle>
           <a:p>
-            <a:pPr/>
             <a:r>
               <a:t>Title Text</a:t>
             </a:r>
@@ -1715,7 +1772,9 @@
       <p:sp>
         <p:nvSpPr>
           <p:cNvPr id="89" name="Bildplatzhalter 2"/>
-          <p:cNvSpPr/>
+          <p:cNvSpPr>
+            <a:spLocks noGrp="1"/>
+          </p:cNvSpPr>
           <p:nvPr>
             <p:ph type="pic" sz="half" idx="13"/>
           </p:nvPr>
@@ -1735,14 +1794,16 @@
           </a:bodyPr>
           <a:lstStyle/>
           <a:p>
-            <a:pPr/>
+            <a:endParaRPr/>
           </a:p>
         </p:txBody>
       </p:sp>
       <p:sp>
         <p:nvSpPr>
           <p:cNvPr id="90" name="Body Level One…"/>
-          <p:cNvSpPr txBox="1"/>
+          <p:cNvSpPr txBox="1">
+            <a:spLocks noGrp="1"/>
+          </p:cNvSpPr>
           <p:nvPr>
             <p:ph type="body" sz="quarter" idx="1"/>
           </p:nvPr>
@@ -1791,7 +1852,6 @@
             </a:lvl5pPr>
           </a:lstStyle>
           <a:p>
-            <a:pPr/>
             <a:r>
               <a:t>Body Level One</a:t>
             </a:r>
@@ -1825,7 +1885,9 @@
       <p:sp>
         <p:nvSpPr>
           <p:cNvPr id="91" name="Slide Number"/>
-          <p:cNvSpPr txBox="1"/>
+          <p:cNvSpPr txBox="1">
+            <a:spLocks noGrp="1"/>
+          </p:cNvSpPr>
           <p:nvPr>
             <p:ph type="sldNum" sz="quarter" idx="2"/>
           </p:nvPr>
@@ -1839,8 +1901,10 @@
           <a:bodyPr/>
           <a:lstStyle/>
           <a:p>
-            <a:pPr/>
-            <a:fld id="{86CB4B4D-7CA3-9044-876B-883B54F8677D}" type="slidenum"/>
+            <a:fld id="{86CB4B4D-7CA3-9044-876B-883B54F8677D}" type="slidenum">
+              <a:t>‹#›</a:t>
+            </a:fld>
+            <a:endParaRPr/>
           </a:p>
         </p:txBody>
       </p:sp>
@@ -1849,18 +1913,19 @@
   <p:clrMapOvr>
     <a:masterClrMapping/>
   </p:clrMapOvr>
-  <p:transition xmlns:p14="http://schemas.microsoft.com/office/powerpoint/2010/main" spd="med" advClick="1"/>
+  <p:transition spd="med"/>
 </p:sldLayout>
 </file>
 
 <file path=ppt/slideMasters/slideMaster1.xml><?xml version="1.0" encoding="utf-8"?>
-<p:sldMaster xmlns:a="http://schemas.openxmlformats.org/drawingml/2006/main" xmlns:r="http://schemas.openxmlformats.org/officeDocument/2006/relationships" xmlns:p="http://schemas.openxmlformats.org/presentationml/2006/main" xmlns:m="http://schemas.openxmlformats.org/officeDocument/2006/math" xmlns:a14="http://schemas.microsoft.com/office/drawing/2010/main">
+<p:sldMaster xmlns:a="http://schemas.openxmlformats.org/drawingml/2006/main" xmlns:r="http://schemas.openxmlformats.org/officeDocument/2006/relationships" xmlns:p="http://schemas.openxmlformats.org/presentationml/2006/main">
   <p:cSld>
     <p:bg>
       <p:bgPr>
         <a:solidFill>
           <a:srgbClr val="FFFFFF"/>
         </a:solidFill>
+        <a:effectLst/>
       </p:bgPr>
     </p:bg>
     <p:spTree>
@@ -1880,7 +1945,9 @@
       <p:sp>
         <p:nvSpPr>
           <p:cNvPr id="2" name="Title Text"/>
-          <p:cNvSpPr txBox="1"/>
+          <p:cNvSpPr txBox="1">
+            <a:spLocks noGrp="1"/>
+          </p:cNvSpPr>
           <p:nvPr>
             <p:ph type="title"/>
           </p:nvPr>
@@ -1898,17 +1965,16 @@
           </a:ln>
           <a:extLst>
             <a:ext uri="{C572A759-6A51-4108-AA02-DFA0A04FC94B}">
-              <ma14:wrappingTextBoxFlag xmlns:ma14="http://schemas.microsoft.com/office/mac/drawingml/2011/main" val="1"/>
+              <ma14:wrappingTextBoxFlag xmlns:ma14="http://schemas.microsoft.com/office/mac/drawingml/2011/main" xmlns:a14="http://schemas.microsoft.com/office/drawing/2010/main" xmlns:m="http://schemas.openxmlformats.org/officeDocument/2006/math" xmlns="" val="1"/>
             </a:ext>
           </a:extLst>
         </p:spPr>
         <p:txBody>
           <a:bodyPr lIns="45719" rIns="45719" anchor="ctr">
-            <a:normAutofit fontScale="100000" lnSpcReduction="0"/>
+            <a:normAutofit/>
           </a:bodyPr>
           <a:lstStyle/>
           <a:p>
-            <a:pPr/>
             <a:r>
               <a:t>Title Text</a:t>
             </a:r>
@@ -1918,7 +1984,9 @@
       <p:sp>
         <p:nvSpPr>
           <p:cNvPr id="3" name="Body Level One…"/>
-          <p:cNvSpPr txBox="1"/>
+          <p:cNvSpPr txBox="1">
+            <a:spLocks noGrp="1"/>
+          </p:cNvSpPr>
           <p:nvPr>
             <p:ph type="body" idx="1"/>
           </p:nvPr>
@@ -1936,17 +2004,16 @@
           </a:ln>
           <a:extLst>
             <a:ext uri="{C572A759-6A51-4108-AA02-DFA0A04FC94B}">
-              <ma14:wrappingTextBoxFlag xmlns:ma14="http://schemas.microsoft.com/office/mac/drawingml/2011/main" val="1"/>
+              <ma14:wrappingTextBoxFlag xmlns:ma14="http://schemas.microsoft.com/office/mac/drawingml/2011/main" xmlns:a14="http://schemas.microsoft.com/office/drawing/2010/main" xmlns:m="http://schemas.openxmlformats.org/officeDocument/2006/math" xmlns="" val="1"/>
             </a:ext>
           </a:extLst>
         </p:spPr>
         <p:txBody>
           <a:bodyPr lIns="45719" rIns="45719">
-            <a:normAutofit fontScale="100000" lnSpcReduction="0"/>
+            <a:normAutofit/>
           </a:bodyPr>
           <a:lstStyle/>
           <a:p>
-            <a:pPr/>
             <a:r>
               <a:t>Body Level One</a:t>
             </a:r>
@@ -1980,7 +2047,9 @@
       <p:sp>
         <p:nvSpPr>
           <p:cNvPr id="4" name="Slide Number"/>
-          <p:cNvSpPr txBox="1"/>
+          <p:cNvSpPr txBox="1">
+            <a:spLocks noGrp="1"/>
+          </p:cNvSpPr>
           <p:nvPr>
             <p:ph type="sldNum" sz="quarter" idx="2"/>
           </p:nvPr>
@@ -2011,8 +2080,10 @@
             </a:lvl1pPr>
           </a:lstStyle>
           <a:p>
-            <a:pPr/>
-            <a:fld id="{86CB4B4D-7CA3-9044-876B-883B54F8677D}" type="slidenum"/>
+            <a:fld id="{86CB4B4D-7CA3-9044-876B-883B54F8677D}" type="slidenum">
+              <a:t>‹#›</a:t>
+            </a:fld>
+            <a:endParaRPr/>
           </a:p>
         </p:txBody>
       </p:sp>
@@ -2025,7 +2096,7 @@
           <p:nvPr/>
         </p:nvPicPr>
         <p:blipFill>
-          <a:blip r:embed="rId2">
+          <a:blip r:embed="rId11">
             <a:extLst/>
           </a:blip>
           <a:stretch>
@@ -2054,7 +2125,7 @@
           <p:nvPr/>
         </p:nvPicPr>
         <p:blipFill>
-          <a:blip r:embed="rId3">
+          <a:blip r:embed="rId12">
             <a:extLst/>
           </a:blip>
           <a:stretch>
@@ -2078,17 +2149,17 @@
   </p:cSld>
   <p:clrMap bg1="lt1" tx1="dk1" bg2="lt2" tx2="dk2" accent1="accent1" accent2="accent2" accent3="accent3" accent4="accent4" accent5="accent5" accent6="accent6" hlink="hlink" folHlink="folHlink"/>
   <p:sldLayoutIdLst>
-    <p:sldLayoutId id="2147483649" r:id="rId4"/>
-    <p:sldLayoutId id="2147483650" r:id="rId5"/>
-    <p:sldLayoutId id="2147483651" r:id="rId6"/>
-    <p:sldLayoutId id="2147483652" r:id="rId7"/>
-    <p:sldLayoutId id="2147483653" r:id="rId8"/>
-    <p:sldLayoutId id="2147483654" r:id="rId9"/>
-    <p:sldLayoutId id="2147483655" r:id="rId10"/>
-    <p:sldLayoutId id="2147483656" r:id="rId11"/>
-    <p:sldLayoutId id="2147483657" r:id="rId12"/>
+    <p:sldLayoutId id="2147483649" r:id="rId1"/>
+    <p:sldLayoutId id="2147483650" r:id="rId2"/>
+    <p:sldLayoutId id="2147483651" r:id="rId3"/>
+    <p:sldLayoutId id="2147483652" r:id="rId4"/>
+    <p:sldLayoutId id="2147483653" r:id="rId5"/>
+    <p:sldLayoutId id="2147483654" r:id="rId6"/>
+    <p:sldLayoutId id="2147483655" r:id="rId7"/>
+    <p:sldLayoutId id="2147483656" r:id="rId8"/>
+    <p:sldLayoutId id="2147483657" r:id="rId9"/>
   </p:sldLayoutIdLst>
-  <p:transition xmlns:p14="http://schemas.microsoft.com/office/powerpoint/2010/main" spd="med" advClick="1"/>
+  <p:transition spd="med"/>
   <p:txStyles>
     <p:titleStyle>
       <a:lvl1pPr marL="0" marR="0" indent="0" algn="l" defTabSz="914400" rtl="0" latinLnBrk="0">
@@ -2106,7 +2177,7 @@
         <a:buFontTx/>
         <a:buNone/>
         <a:tabLst/>
-        <a:defRPr b="0" baseline="0" cap="none" i="0" spc="0" strike="noStrike" sz="4400" u="none">
+        <a:defRPr sz="4400" b="0" i="0" u="none" strike="noStrike" cap="none" spc="0" baseline="0">
           <a:ln>
             <a:noFill/>
           </a:ln>
@@ -2135,7 +2206,7 @@
         <a:buFontTx/>
         <a:buNone/>
         <a:tabLst/>
-        <a:defRPr b="0" baseline="0" cap="none" i="0" spc="0" strike="noStrike" sz="4400" u="none">
+        <a:defRPr sz="4400" b="0" i="0" u="none" strike="noStrike" cap="none" spc="0" baseline="0">
           <a:ln>
             <a:noFill/>
           </a:ln>
@@ -2164,7 +2235,7 @@
         <a:buFontTx/>
         <a:buNone/>
         <a:tabLst/>
-        <a:defRPr b="0" baseline="0" cap="none" i="0" spc="0" strike="noStrike" sz="4400" u="none">
+        <a:defRPr sz="4400" b="0" i="0" u="none" strike="noStrike" cap="none" spc="0" baseline="0">
           <a:ln>
             <a:noFill/>
           </a:ln>
@@ -2193,7 +2264,7 @@
         <a:buFontTx/>
         <a:buNone/>
         <a:tabLst/>
-        <a:defRPr b="0" baseline="0" cap="none" i="0" spc="0" strike="noStrike" sz="4400" u="none">
+        <a:defRPr sz="4400" b="0" i="0" u="none" strike="noStrike" cap="none" spc="0" baseline="0">
           <a:ln>
             <a:noFill/>
           </a:ln>
@@ -2222,7 +2293,7 @@
         <a:buFontTx/>
         <a:buNone/>
         <a:tabLst/>
-        <a:defRPr b="0" baseline="0" cap="none" i="0" spc="0" strike="noStrike" sz="4400" u="none">
+        <a:defRPr sz="4400" b="0" i="0" u="none" strike="noStrike" cap="none" spc="0" baseline="0">
           <a:ln>
             <a:noFill/>
           </a:ln>
@@ -2251,7 +2322,7 @@
         <a:buFontTx/>
         <a:buNone/>
         <a:tabLst/>
-        <a:defRPr b="0" baseline="0" cap="none" i="0" spc="0" strike="noStrike" sz="4400" u="none">
+        <a:defRPr sz="4400" b="0" i="0" u="none" strike="noStrike" cap="none" spc="0" baseline="0">
           <a:ln>
             <a:noFill/>
           </a:ln>
@@ -2280,7 +2351,7 @@
         <a:buFontTx/>
         <a:buNone/>
         <a:tabLst/>
-        <a:defRPr b="0" baseline="0" cap="none" i="0" spc="0" strike="noStrike" sz="4400" u="none">
+        <a:defRPr sz="4400" b="0" i="0" u="none" strike="noStrike" cap="none" spc="0" baseline="0">
           <a:ln>
             <a:noFill/>
           </a:ln>
@@ -2309,7 +2380,7 @@
         <a:buFontTx/>
         <a:buNone/>
         <a:tabLst/>
-        <a:defRPr b="0" baseline="0" cap="none" i="0" spc="0" strike="noStrike" sz="4400" u="none">
+        <a:defRPr sz="4400" b="0" i="0" u="none" strike="noStrike" cap="none" spc="0" baseline="0">
           <a:ln>
             <a:noFill/>
           </a:ln>
@@ -2338,7 +2409,7 @@
         <a:buFontTx/>
         <a:buNone/>
         <a:tabLst/>
-        <a:defRPr b="0" baseline="0" cap="none" i="0" spc="0" strike="noStrike" sz="4400" u="none">
+        <a:defRPr sz="4400" b="0" i="0" u="none" strike="noStrike" cap="none" spc="0" baseline="0">
           <a:ln>
             <a:noFill/>
           </a:ln>
@@ -2369,7 +2440,7 @@
         <a:buFont typeface="Arial"/>
         <a:buChar char="•"/>
         <a:tabLst/>
-        <a:defRPr b="0" baseline="0" cap="none" i="0" spc="0" strike="noStrike" sz="2800" u="none">
+        <a:defRPr sz="2800" b="0" i="0" u="none" strike="noStrike" cap="none" spc="0" baseline="0">
           <a:ln>
             <a:noFill/>
           </a:ln>
@@ -2398,7 +2469,7 @@
         <a:buFont typeface="Arial"/>
         <a:buChar char="•"/>
         <a:tabLst/>
-        <a:defRPr b="0" baseline="0" cap="none" i="0" spc="0" strike="noStrike" sz="2800" u="none">
+        <a:defRPr sz="2800" b="0" i="0" u="none" strike="noStrike" cap="none" spc="0" baseline="0">
           <a:ln>
             <a:noFill/>
           </a:ln>
@@ -2427,7 +2498,7 @@
         <a:buFont typeface="Arial"/>
         <a:buChar char="•"/>
         <a:tabLst/>
-        <a:defRPr b="0" baseline="0" cap="none" i="0" spc="0" strike="noStrike" sz="2800" u="none">
+        <a:defRPr sz="2800" b="0" i="0" u="none" strike="noStrike" cap="none" spc="0" baseline="0">
           <a:ln>
             <a:noFill/>
           </a:ln>
@@ -2456,7 +2527,7 @@
         <a:buFont typeface="Arial"/>
         <a:buChar char="•"/>
         <a:tabLst/>
-        <a:defRPr b="0" baseline="0" cap="none" i="0" spc="0" strike="noStrike" sz="2800" u="none">
+        <a:defRPr sz="2800" b="0" i="0" u="none" strike="noStrike" cap="none" spc="0" baseline="0">
           <a:ln>
             <a:noFill/>
           </a:ln>
@@ -2485,7 +2556,7 @@
         <a:buFont typeface="Arial"/>
         <a:buChar char="•"/>
         <a:tabLst/>
-        <a:defRPr b="0" baseline="0" cap="none" i="0" spc="0" strike="noStrike" sz="2800" u="none">
+        <a:defRPr sz="2800" b="0" i="0" u="none" strike="noStrike" cap="none" spc="0" baseline="0">
           <a:ln>
             <a:noFill/>
           </a:ln>
@@ -2514,7 +2585,7 @@
         <a:buFont typeface="Arial"/>
         <a:buChar char="•"/>
         <a:tabLst/>
-        <a:defRPr b="0" baseline="0" cap="none" i="0" spc="0" strike="noStrike" sz="2800" u="none">
+        <a:defRPr sz="2800" b="0" i="0" u="none" strike="noStrike" cap="none" spc="0" baseline="0">
           <a:ln>
             <a:noFill/>
           </a:ln>
@@ -2543,7 +2614,7 @@
         <a:buFont typeface="Arial"/>
         <a:buChar char="•"/>
         <a:tabLst/>
-        <a:defRPr b="0" baseline="0" cap="none" i="0" spc="0" strike="noStrike" sz="2800" u="none">
+        <a:defRPr sz="2800" b="0" i="0" u="none" strike="noStrike" cap="none" spc="0" baseline="0">
           <a:ln>
             <a:noFill/>
           </a:ln>
@@ -2572,7 +2643,7 @@
         <a:buFont typeface="Arial"/>
         <a:buChar char="•"/>
         <a:tabLst/>
-        <a:defRPr b="0" baseline="0" cap="none" i="0" spc="0" strike="noStrike" sz="2800" u="none">
+        <a:defRPr sz="2800" b="0" i="0" u="none" strike="noStrike" cap="none" spc="0" baseline="0">
           <a:ln>
             <a:noFill/>
           </a:ln>
@@ -2601,7 +2672,7 @@
         <a:buFont typeface="Arial"/>
         <a:buChar char="•"/>
         <a:tabLst/>
-        <a:defRPr b="0" baseline="0" cap="none" i="0" spc="0" strike="noStrike" sz="2800" u="none">
+        <a:defRPr sz="2800" b="0" i="0" u="none" strike="noStrike" cap="none" spc="0" baseline="0">
           <a:ln>
             <a:noFill/>
           </a:ln>
@@ -2632,7 +2703,7 @@
         <a:buFontTx/>
         <a:buNone/>
         <a:tabLst/>
-        <a:defRPr b="0" baseline="0" cap="none" i="0" spc="0" strike="noStrike" sz="1200" u="none">
+        <a:defRPr sz="1200" b="0" i="0" u="none" strike="noStrike" cap="none" spc="0" baseline="0">
           <a:ln>
             <a:noFill/>
           </a:ln>
@@ -2661,7 +2732,7 @@
         <a:buFontTx/>
         <a:buNone/>
         <a:tabLst/>
-        <a:defRPr b="0" baseline="0" cap="none" i="0" spc="0" strike="noStrike" sz="1200" u="none">
+        <a:defRPr sz="1200" b="0" i="0" u="none" strike="noStrike" cap="none" spc="0" baseline="0">
           <a:ln>
             <a:noFill/>
           </a:ln>
@@ -2690,7 +2761,7 @@
         <a:buFontTx/>
         <a:buNone/>
         <a:tabLst/>
-        <a:defRPr b="0" baseline="0" cap="none" i="0" spc="0" strike="noStrike" sz="1200" u="none">
+        <a:defRPr sz="1200" b="0" i="0" u="none" strike="noStrike" cap="none" spc="0" baseline="0">
           <a:ln>
             <a:noFill/>
           </a:ln>
@@ -2719,7 +2790,7 @@
         <a:buFontTx/>
         <a:buNone/>
         <a:tabLst/>
-        <a:defRPr b="0" baseline="0" cap="none" i="0" spc="0" strike="noStrike" sz="1200" u="none">
+        <a:defRPr sz="1200" b="0" i="0" u="none" strike="noStrike" cap="none" spc="0" baseline="0">
           <a:ln>
             <a:noFill/>
           </a:ln>
@@ -2748,7 +2819,7 @@
         <a:buFontTx/>
         <a:buNone/>
         <a:tabLst/>
-        <a:defRPr b="0" baseline="0" cap="none" i="0" spc="0" strike="noStrike" sz="1200" u="none">
+        <a:defRPr sz="1200" b="0" i="0" u="none" strike="noStrike" cap="none" spc="0" baseline="0">
           <a:ln>
             <a:noFill/>
           </a:ln>
@@ -2777,7 +2848,7 @@
         <a:buFontTx/>
         <a:buNone/>
         <a:tabLst/>
-        <a:defRPr b="0" baseline="0" cap="none" i="0" spc="0" strike="noStrike" sz="1200" u="none">
+        <a:defRPr sz="1200" b="0" i="0" u="none" strike="noStrike" cap="none" spc="0" baseline="0">
           <a:ln>
             <a:noFill/>
           </a:ln>
@@ -2806,7 +2877,7 @@
         <a:buFontTx/>
         <a:buNone/>
         <a:tabLst/>
-        <a:defRPr b="0" baseline="0" cap="none" i="0" spc="0" strike="noStrike" sz="1200" u="none">
+        <a:defRPr sz="1200" b="0" i="0" u="none" strike="noStrike" cap="none" spc="0" baseline="0">
           <a:ln>
             <a:noFill/>
           </a:ln>
@@ -2835,7 +2906,7 @@
         <a:buFontTx/>
         <a:buNone/>
         <a:tabLst/>
-        <a:defRPr b="0" baseline="0" cap="none" i="0" spc="0" strike="noStrike" sz="1200" u="none">
+        <a:defRPr sz="1200" b="0" i="0" u="none" strike="noStrike" cap="none" spc="0" baseline="0">
           <a:ln>
             <a:noFill/>
           </a:ln>
@@ -2864,7 +2935,7 @@
         <a:buFontTx/>
         <a:buNone/>
         <a:tabLst/>
-        <a:defRPr b="0" baseline="0" cap="none" i="0" spc="0" strike="noStrike" sz="1200" u="none">
+        <a:defRPr sz="1200" b="0" i="0" u="none" strike="noStrike" cap="none" spc="0" baseline="0">
           <a:ln>
             <a:noFill/>
           </a:ln>
@@ -2884,7 +2955,7 @@
 </file>
 
 <file path=ppt/slides/slide1.xml><?xml version="1.0" encoding="utf-8"?>
-<p:sld xmlns:a="http://schemas.openxmlformats.org/drawingml/2006/main" xmlns:r="http://schemas.openxmlformats.org/officeDocument/2006/relationships" xmlns:p="http://schemas.openxmlformats.org/presentationml/2006/main" xmlns:m="http://schemas.openxmlformats.org/officeDocument/2006/math" xmlns:a14="http://schemas.microsoft.com/office/drawing/2010/main" showMasterSp="1" showMasterPhAnim="1">
+<p:sld xmlns:a="http://schemas.openxmlformats.org/drawingml/2006/main" xmlns:r="http://schemas.openxmlformats.org/officeDocument/2006/relationships" xmlns:p="http://schemas.openxmlformats.org/presentationml/2006/main">
   <p:cSld>
     <p:spTree>
       <p:nvGrpSpPr>
@@ -2903,7 +2974,9 @@
       <p:sp>
         <p:nvSpPr>
           <p:cNvPr id="100" name="Titel 1"/>
-          <p:cNvSpPr txBox="1"/>
+          <p:cNvSpPr txBox="1">
+            <a:spLocks noGrp="1"/>
+          </p:cNvSpPr>
           <p:nvPr>
             <p:ph type="ctrTitle"/>
           </p:nvPr>
@@ -2921,7 +2994,6 @@
             </a:lvl1pPr>
           </a:lstStyle>
           <a:p>
-            <a:pPr/>
             <a:r>
               <a:t>BLOSUM scores compared to single SNAP2 scores</a:t>
             </a:r>
@@ -2931,7 +3003,9 @@
       <p:sp>
         <p:nvSpPr>
           <p:cNvPr id="101" name="Untertitel 2"/>
-          <p:cNvSpPr txBox="1"/>
+          <p:cNvSpPr txBox="1">
+            <a:spLocks noGrp="1"/>
+          </p:cNvSpPr>
           <p:nvPr>
             <p:ph type="subTitle" sz="quarter" idx="1"/>
           </p:nvPr>
@@ -2949,12 +3023,8 @@
           <a:bodyPr/>
           <a:lstStyle/>
           <a:p>
-            <a:pPr/>
             <a:r>
-              <a:t>Thomas Eska, Paul Hager, Thomas </a:t>
-            </a:r>
-            <a:r>
-              <a:t>Heinzinger</a:t>
+              <a:t>Thomas Eska, Paul Hager, Thomas Heinzinger</a:t>
             </a:r>
           </a:p>
         </p:txBody>
@@ -2962,7 +3032,9 @@
       <p:sp>
         <p:nvSpPr>
           <p:cNvPr id="102" name="Foliennummernplatzhalter 3"/>
-          <p:cNvSpPr txBox="1"/>
+          <p:cNvSpPr txBox="1">
+            <a:spLocks noGrp="1"/>
+          </p:cNvSpPr>
           <p:nvPr>
             <p:ph type="sldNum" sz="quarter" idx="2"/>
           </p:nvPr>
@@ -2977,7 +3049,7 @@
           </a:prstGeom>
           <a:extLst>
             <a:ext uri="{C572A759-6A51-4108-AA02-DFA0A04FC94B}">
-              <ma14:wrappingTextBoxFlag xmlns:ma14="http://schemas.microsoft.com/office/mac/drawingml/2011/main" val="1"/>
+              <ma14:wrappingTextBoxFlag xmlns:ma14="http://schemas.microsoft.com/office/mac/drawingml/2011/main" xmlns:a14="http://schemas.microsoft.com/office/drawing/2010/main" xmlns:m="http://schemas.openxmlformats.org/officeDocument/2006/math" xmlns="" val="1"/>
             </a:ext>
           </a:extLst>
         </p:spPr>
@@ -2985,8 +3057,10 @@
           <a:bodyPr/>
           <a:lstStyle/>
           <a:p>
-            <a:pPr/>
-            <a:fld id="{86CB4B4D-7CA3-9044-876B-883B54F8677D}" type="slidenum"/>
+            <a:fld id="{86CB4B4D-7CA3-9044-876B-883B54F8677D}" type="slidenum">
+              <a:t>1</a:t>
+            </a:fld>
+            <a:endParaRPr/>
           </a:p>
         </p:txBody>
       </p:sp>
@@ -2995,12 +3069,12 @@
   <p:clrMapOvr>
     <a:masterClrMapping/>
   </p:clrMapOvr>
-  <p:transition xmlns:p14="http://schemas.microsoft.com/office/powerpoint/2010/main" spd="med" advClick="1"/>
+  <p:transition spd="med"/>
 </p:sld>
 </file>
 
 <file path=ppt/slides/slide2.xml><?xml version="1.0" encoding="utf-8"?>
-<p:sld xmlns:a="http://schemas.openxmlformats.org/drawingml/2006/main" xmlns:r="http://schemas.openxmlformats.org/officeDocument/2006/relationships" xmlns:p="http://schemas.openxmlformats.org/presentationml/2006/main" xmlns:m="http://schemas.openxmlformats.org/officeDocument/2006/math" xmlns:a14="http://schemas.microsoft.com/office/drawing/2010/main" showMasterSp="1" showMasterPhAnim="1">
+<p:sld xmlns:a="http://schemas.openxmlformats.org/drawingml/2006/main" xmlns:r="http://schemas.openxmlformats.org/officeDocument/2006/relationships" xmlns:p="http://schemas.openxmlformats.org/presentationml/2006/main">
   <p:cSld>
     <p:spTree>
       <p:nvGrpSpPr>
@@ -3019,7 +3093,9 @@
       <p:sp>
         <p:nvSpPr>
           <p:cNvPr id="104" name="Titel 1"/>
-          <p:cNvSpPr txBox="1"/>
+          <p:cNvSpPr txBox="1">
+            <a:spLocks noGrp="1"/>
+          </p:cNvSpPr>
           <p:nvPr>
             <p:ph type="title"/>
           </p:nvPr>
@@ -3039,7 +3115,6 @@
             <a:lvl1pPr algn="ctr"/>
           </a:lstStyle>
           <a:p>
-            <a:pPr/>
             <a:r>
               <a:t>Feature: First Ideas</a:t>
             </a:r>
@@ -3049,7 +3124,9 @@
       <p:sp>
         <p:nvSpPr>
           <p:cNvPr id="105" name="Inhaltsplatzhalter 2"/>
-          <p:cNvSpPr txBox="1"/>
+          <p:cNvSpPr txBox="1">
+            <a:spLocks noGrp="1"/>
+          </p:cNvSpPr>
           <p:nvPr>
             <p:ph type="body" idx="1"/>
           </p:nvPr>
@@ -3078,7 +3155,7 @@
             </a:r>
           </a:p>
           <a:p>
-            <a:pPr lvl="1" marL="589788" indent="-196596" defTabSz="786384">
+            <a:pPr marL="589788" lvl="1" indent="-196596" defTabSz="786384">
               <a:spcBef>
                 <a:spcPts val="800"/>
               </a:spcBef>
@@ -3100,7 +3177,7 @@
             </a:r>
           </a:p>
           <a:p>
-            <a:pPr lvl="1" marL="589788" indent="-196596" defTabSz="786384">
+            <a:pPr marL="589788" lvl="1" indent="-196596" defTabSz="786384">
               <a:spcBef>
                 <a:spcPts val="800"/>
               </a:spcBef>
@@ -3117,6 +3194,7 @@
               </a:spcBef>
               <a:defRPr sz="2408"/>
             </a:pPr>
+            <a:endParaRPr/>
           </a:p>
           <a:p>
             <a:pPr marL="196596" indent="-196596" defTabSz="786384">
@@ -3130,7 +3208,7 @@
             </a:r>
           </a:p>
           <a:p>
-            <a:pPr lvl="1" marL="0" indent="393192" defTabSz="786384">
+            <a:pPr marL="0" lvl="1" indent="393192" defTabSz="786384">
               <a:spcBef>
                 <a:spcPts val="400"/>
               </a:spcBef>
@@ -3143,7 +3221,7 @@
             </a:r>
           </a:p>
           <a:p>
-            <a:pPr lvl="1" marL="0" indent="393192" defTabSz="786384">
+            <a:pPr marL="0" lvl="1" indent="393192" defTabSz="786384">
               <a:spcBef>
                 <a:spcPts val="400"/>
               </a:spcBef>
@@ -3156,7 +3234,7 @@
             </a:r>
           </a:p>
           <a:p>
-            <a:pPr lvl="1" marL="0" indent="393192" defTabSz="786384">
+            <a:pPr marL="0" lvl="1" indent="393192" defTabSz="786384">
               <a:spcBef>
                 <a:spcPts val="400"/>
               </a:spcBef>
@@ -3164,6 +3242,7 @@
               <a:buNone/>
               <a:defRPr sz="2064"/>
             </a:pPr>
+            <a:endParaRPr/>
           </a:p>
           <a:p>
             <a:pPr marL="196596" indent="-196596" defTabSz="786384">
@@ -3194,7 +3273,9 @@
       <p:sp>
         <p:nvSpPr>
           <p:cNvPr id="106" name="Foliennummernplatzhalter 3"/>
-          <p:cNvSpPr txBox="1"/>
+          <p:cNvSpPr txBox="1">
+            <a:spLocks noGrp="1"/>
+          </p:cNvSpPr>
           <p:nvPr>
             <p:ph type="sldNum" sz="quarter" idx="2"/>
           </p:nvPr>
@@ -3209,7 +3290,7 @@
           </a:prstGeom>
           <a:extLst>
             <a:ext uri="{C572A759-6A51-4108-AA02-DFA0A04FC94B}">
-              <ma14:wrappingTextBoxFlag xmlns:ma14="http://schemas.microsoft.com/office/mac/drawingml/2011/main" val="1"/>
+              <ma14:wrappingTextBoxFlag xmlns:ma14="http://schemas.microsoft.com/office/mac/drawingml/2011/main" xmlns:a14="http://schemas.microsoft.com/office/drawing/2010/main" xmlns:m="http://schemas.openxmlformats.org/officeDocument/2006/math" xmlns="" val="1"/>
             </a:ext>
           </a:extLst>
         </p:spPr>
@@ -3217,8 +3298,10 @@
           <a:bodyPr/>
           <a:lstStyle/>
           <a:p>
-            <a:pPr/>
-            <a:fld id="{86CB4B4D-7CA3-9044-876B-883B54F8677D}" type="slidenum"/>
+            <a:fld id="{86CB4B4D-7CA3-9044-876B-883B54F8677D}" type="slidenum">
+              <a:t>2</a:t>
+            </a:fld>
+            <a:endParaRPr/>
           </a:p>
         </p:txBody>
       </p:sp>
@@ -3227,12 +3310,12 @@
   <p:clrMapOvr>
     <a:masterClrMapping/>
   </p:clrMapOvr>
-  <p:transition xmlns:p14="http://schemas.microsoft.com/office/powerpoint/2010/main" spd="med" advClick="1"/>
+  <p:transition spd="med"/>
 </p:sld>
 </file>
 
 <file path=ppt/slides/slide3.xml><?xml version="1.0" encoding="utf-8"?>
-<p:sld xmlns:a="http://schemas.openxmlformats.org/drawingml/2006/main" xmlns:r="http://schemas.openxmlformats.org/officeDocument/2006/relationships" xmlns:p="http://schemas.openxmlformats.org/presentationml/2006/main" xmlns:m="http://schemas.openxmlformats.org/officeDocument/2006/math" xmlns:a14="http://schemas.microsoft.com/office/drawing/2010/main" showMasterSp="1" showMasterPhAnim="1">
+<p:sld xmlns:a="http://schemas.openxmlformats.org/drawingml/2006/main" xmlns:r="http://schemas.openxmlformats.org/officeDocument/2006/relationships" xmlns:p="http://schemas.openxmlformats.org/presentationml/2006/main">
   <p:cSld>
     <p:spTree>
       <p:nvGrpSpPr>
@@ -3251,7 +3334,9 @@
       <p:sp>
         <p:nvSpPr>
           <p:cNvPr id="108" name="Titel 1"/>
-          <p:cNvSpPr txBox="1"/>
+          <p:cNvSpPr txBox="1">
+            <a:spLocks noGrp="1"/>
+          </p:cNvSpPr>
           <p:nvPr>
             <p:ph type="title"/>
           </p:nvPr>
@@ -3271,7 +3356,6 @@
             <a:lvl1pPr algn="ctr"/>
           </a:lstStyle>
           <a:p>
-            <a:pPr/>
             <a:r>
               <a:t>Testing for Overfitting</a:t>
             </a:r>
@@ -3281,7 +3365,9 @@
       <p:sp>
         <p:nvSpPr>
           <p:cNvPr id="109" name="Foliennummernplatzhalter 12"/>
-          <p:cNvSpPr txBox="1"/>
+          <p:cNvSpPr txBox="1">
+            <a:spLocks noGrp="1"/>
+          </p:cNvSpPr>
           <p:nvPr>
             <p:ph type="sldNum" sz="quarter" idx="2"/>
           </p:nvPr>
@@ -3296,7 +3382,7 @@
           </a:prstGeom>
           <a:extLst>
             <a:ext uri="{C572A759-6A51-4108-AA02-DFA0A04FC94B}">
-              <ma14:wrappingTextBoxFlag xmlns:ma14="http://schemas.microsoft.com/office/mac/drawingml/2011/main" val="1"/>
+              <ma14:wrappingTextBoxFlag xmlns:ma14="http://schemas.microsoft.com/office/mac/drawingml/2011/main" xmlns:a14="http://schemas.microsoft.com/office/drawing/2010/main" xmlns:m="http://schemas.openxmlformats.org/officeDocument/2006/math" xmlns="" val="1"/>
             </a:ext>
           </a:extLst>
         </p:spPr>
@@ -3304,8 +3390,10 @@
           <a:bodyPr/>
           <a:lstStyle/>
           <a:p>
-            <a:pPr/>
-            <a:fld id="{86CB4B4D-7CA3-9044-876B-883B54F8677D}" type="slidenum"/>
+            <a:fld id="{86CB4B4D-7CA3-9044-876B-883B54F8677D}" type="slidenum">
+              <a:t>3</a:t>
+            </a:fld>
+            <a:endParaRPr/>
           </a:p>
         </p:txBody>
       </p:sp>
@@ -3343,12 +3431,12 @@
   <p:clrMapOvr>
     <a:masterClrMapping/>
   </p:clrMapOvr>
-  <p:transition xmlns:p14="http://schemas.microsoft.com/office/powerpoint/2010/main" spd="med" advClick="1"/>
+  <p:transition spd="med"/>
 </p:sld>
 </file>
 
 <file path=ppt/slides/slide4.xml><?xml version="1.0" encoding="utf-8"?>
-<p:sld xmlns:a="http://schemas.openxmlformats.org/drawingml/2006/main" xmlns:r="http://schemas.openxmlformats.org/officeDocument/2006/relationships" xmlns:p="http://schemas.openxmlformats.org/presentationml/2006/main" xmlns:m="http://schemas.openxmlformats.org/officeDocument/2006/math" xmlns:a14="http://schemas.microsoft.com/office/drawing/2010/main" showMasterSp="1" showMasterPhAnim="1">
+<p:sld xmlns:a="http://schemas.openxmlformats.org/drawingml/2006/main" xmlns:r="http://schemas.openxmlformats.org/officeDocument/2006/relationships" xmlns:p="http://schemas.openxmlformats.org/presentationml/2006/main">
   <p:cSld>
     <p:spTree>
       <p:nvGrpSpPr>
@@ -3367,7 +3455,9 @@
       <p:sp>
         <p:nvSpPr>
           <p:cNvPr id="112" name="Titel 1"/>
-          <p:cNvSpPr txBox="1"/>
+          <p:cNvSpPr txBox="1">
+            <a:spLocks noGrp="1"/>
+          </p:cNvSpPr>
           <p:nvPr>
             <p:ph type="title"/>
           </p:nvPr>
@@ -3387,7 +3477,6 @@
             <a:lvl1pPr algn="ctr"/>
           </a:lstStyle>
           <a:p>
-            <a:pPr/>
             <a:r>
               <a:t>Hyper Parameter Grid Search</a:t>
             </a:r>
@@ -3397,7 +3486,9 @@
       <p:sp>
         <p:nvSpPr>
           <p:cNvPr id="113" name="Inhaltsplatzhalter 2"/>
-          <p:cNvSpPr txBox="1"/>
+          <p:cNvSpPr txBox="1">
+            <a:spLocks noGrp="1"/>
+          </p:cNvSpPr>
           <p:nvPr>
             <p:ph type="body" idx="1"/>
           </p:nvPr>
@@ -3415,14 +3506,16 @@
           <a:bodyPr/>
           <a:lstStyle/>
           <a:p>
-            <a:pPr/>
+            <a:endParaRPr/>
           </a:p>
         </p:txBody>
       </p:sp>
       <p:sp>
         <p:nvSpPr>
           <p:cNvPr id="114" name="Foliennummernplatzhalter 3"/>
-          <p:cNvSpPr txBox="1"/>
+          <p:cNvSpPr txBox="1">
+            <a:spLocks noGrp="1"/>
+          </p:cNvSpPr>
           <p:nvPr>
             <p:ph type="sldNum" sz="quarter" idx="2"/>
           </p:nvPr>
@@ -3437,7 +3530,7 @@
           </a:prstGeom>
           <a:extLst>
             <a:ext uri="{C572A759-6A51-4108-AA02-DFA0A04FC94B}">
-              <ma14:wrappingTextBoxFlag xmlns:ma14="http://schemas.microsoft.com/office/mac/drawingml/2011/main" val="1"/>
+              <ma14:wrappingTextBoxFlag xmlns:ma14="http://schemas.microsoft.com/office/mac/drawingml/2011/main" xmlns:a14="http://schemas.microsoft.com/office/drawing/2010/main" xmlns:m="http://schemas.openxmlformats.org/officeDocument/2006/math" xmlns="" val="1"/>
             </a:ext>
           </a:extLst>
         </p:spPr>
@@ -3445,8 +3538,10 @@
           <a:bodyPr/>
           <a:lstStyle/>
           <a:p>
-            <a:pPr/>
-            <a:fld id="{86CB4B4D-7CA3-9044-876B-883B54F8677D}" type="slidenum"/>
+            <a:fld id="{86CB4B4D-7CA3-9044-876B-883B54F8677D}" type="slidenum">
+              <a:t>4</a:t>
+            </a:fld>
+            <a:endParaRPr/>
           </a:p>
         </p:txBody>
       </p:sp>
@@ -3758,7 +3853,7 @@
         </p:blipFill>
         <p:spPr>
           <a:xfrm>
-            <a:off x="3148356" y="889000"/>
+            <a:off x="2918512" y="904875"/>
             <a:ext cx="7673288" cy="6858000"/>
           </a:xfrm>
           <a:prstGeom prst="rect">
@@ -3787,7 +3882,7 @@
         </p:blipFill>
         <p:spPr>
           <a:xfrm>
-            <a:off x="3272134" y="1016000"/>
+            <a:off x="3379452" y="805584"/>
             <a:ext cx="7679732" cy="6858000"/>
           </a:xfrm>
           <a:prstGeom prst="rect">
@@ -3816,7 +3911,7 @@
         </p:blipFill>
         <p:spPr>
           <a:xfrm>
-            <a:off x="3791397" y="1143000"/>
+            <a:off x="3242732" y="1196975"/>
             <a:ext cx="6895206" cy="6858000"/>
           </a:xfrm>
           <a:prstGeom prst="rect">
@@ -3825,6 +3920,78 @@
           <a:ln w="12700">
             <a:miter lim="400000"/>
           </a:ln>
+        </p:spPr>
+      </p:pic>
+      <p:pic>
+        <p:nvPicPr>
+          <p:cNvPr id="3" name="Picture 2">
+            <a:extLst>
+              <a:ext uri="{FF2B5EF4-FFF2-40B4-BE49-F238E27FC236}">
+                <a16:creationId xmlns:a16="http://schemas.microsoft.com/office/drawing/2014/main" id="{F9F12CDF-A650-4B37-83CC-4863F2D853A9}"/>
+              </a:ext>
+            </a:extLst>
+          </p:cNvPr>
+          <p:cNvPicPr>
+            <a:picLocks noChangeAspect="1"/>
+          </p:cNvPicPr>
+          <p:nvPr/>
+        </p:nvPicPr>
+        <p:blipFill>
+          <a:blip r:embed="rId12">
+            <a:extLst>
+              <a:ext uri="{28A0092B-C50C-407E-A947-70E740481C1C}">
+                <a14:useLocalDpi xmlns:a14="http://schemas.microsoft.com/office/drawing/2010/main" val="0"/>
+              </a:ext>
+            </a:extLst>
+          </a:blip>
+          <a:stretch>
+            <a:fillRect/>
+          </a:stretch>
+        </p:blipFill>
+        <p:spPr>
+          <a:xfrm>
+            <a:off x="3153118" y="1531257"/>
+            <a:ext cx="5852172" cy="4370841"/>
+          </a:xfrm>
+          <a:prstGeom prst="rect">
+            <a:avLst/>
+          </a:prstGeom>
+        </p:spPr>
+      </p:pic>
+      <p:pic>
+        <p:nvPicPr>
+          <p:cNvPr id="5" name="Picture 4">
+            <a:extLst>
+              <a:ext uri="{FF2B5EF4-FFF2-40B4-BE49-F238E27FC236}">
+                <a16:creationId xmlns:a16="http://schemas.microsoft.com/office/drawing/2014/main" id="{42AA7900-4A72-487D-B6CA-426464441747}"/>
+              </a:ext>
+            </a:extLst>
+          </p:cNvPr>
+          <p:cNvPicPr>
+            <a:picLocks noChangeAspect="1"/>
+          </p:cNvPicPr>
+          <p:nvPr/>
+        </p:nvPicPr>
+        <p:blipFill>
+          <a:blip r:embed="rId13">
+            <a:extLst>
+              <a:ext uri="{28A0092B-C50C-407E-A947-70E740481C1C}">
+                <a14:useLocalDpi xmlns:a14="http://schemas.microsoft.com/office/drawing/2010/main" val="0"/>
+              </a:ext>
+            </a:extLst>
+          </a:blip>
+          <a:stretch>
+            <a:fillRect/>
+          </a:stretch>
+        </p:blipFill>
+        <p:spPr>
+          <a:xfrm>
+            <a:off x="3531072" y="1194707"/>
+            <a:ext cx="5852172" cy="4370841"/>
+          </a:xfrm>
+          <a:prstGeom prst="rect">
+            <a:avLst/>
+          </a:prstGeom>
         </p:spPr>
       </p:pic>
     </p:spTree>
@@ -3832,12 +3999,12 @@
   <p:clrMapOvr>
     <a:masterClrMapping/>
   </p:clrMapOvr>
-  <p:transition xmlns:p14="http://schemas.microsoft.com/office/powerpoint/2010/main" spd="med" advClick="1"/>
+  <p:transition spd="med"/>
 </p:sld>
 </file>
 
 <file path=ppt/slides/slide5.xml><?xml version="1.0" encoding="utf-8"?>
-<p:sld xmlns:a="http://schemas.openxmlformats.org/drawingml/2006/main" xmlns:r="http://schemas.openxmlformats.org/officeDocument/2006/relationships" xmlns:p="http://schemas.openxmlformats.org/presentationml/2006/main" xmlns:m="http://schemas.openxmlformats.org/officeDocument/2006/math" xmlns:a14="http://schemas.microsoft.com/office/drawing/2010/main" showMasterSp="1" showMasterPhAnim="1">
+<p:sld xmlns:a="http://schemas.openxmlformats.org/drawingml/2006/main" xmlns:r="http://schemas.openxmlformats.org/officeDocument/2006/relationships" xmlns:p="http://schemas.openxmlformats.org/presentationml/2006/main">
   <p:cSld>
     <p:spTree>
       <p:nvGrpSpPr>
@@ -3856,7 +4023,9 @@
       <p:sp>
         <p:nvSpPr>
           <p:cNvPr id="129" name="Titel 1"/>
-          <p:cNvSpPr txBox="1"/>
+          <p:cNvSpPr txBox="1">
+            <a:spLocks noGrp="1"/>
+          </p:cNvSpPr>
           <p:nvPr>
             <p:ph type="title"/>
           </p:nvPr>
@@ -3876,10 +4045,7 @@
           <a:p>
             <a:pPr algn="ctr"/>
             <a:r>
-              <a:t>Confusion</a:t>
-            </a:r>
-            <a:r>
-              <a:t> Matrix</a:t>
+              <a:t>Confusion Matrix</a:t>
             </a:r>
           </a:p>
         </p:txBody>
@@ -3892,18 +4058,36 @@
         </p:nvGraphicFramePr>
         <p:xfrm>
           <a:off x="2961850" y="2324099"/>
-          <a:ext cx="6268300" cy="3556333"/>
+          <a:ext cx="6268300" cy="3556332"/>
         </p:xfrm>
-        <a:graphic xmlns:a="http://schemas.openxmlformats.org/drawingml/2006/main">
+        <a:graphic>
           <a:graphicData uri="http://schemas.openxmlformats.org/drawingml/2006/table">
             <a:tbl>
-              <a:tblPr firstCol="0" firstRow="0" lastCol="0" lastRow="0" bandCol="0" bandRow="1" rtl="0">
+              <a:tblPr bandRow="1">
                 <a:tableStyleId>{4C3C2611-4C71-4FC5-86AE-919BDF0F9419}</a:tableStyleId>
               </a:tblPr>
               <a:tblGrid>
-                <a:gridCol w="1836000"/>
-                <a:gridCol w="2216150"/>
-                <a:gridCol w="2216150"/>
+                <a:gridCol w="1836000">
+                  <a:extLst>
+                    <a:ext uri="{9D8B030D-6E8A-4147-A177-3AD203B41FA5}">
+                      <a16:colId xmlns:a16="http://schemas.microsoft.com/office/drawing/2014/main" val="20000"/>
+                    </a:ext>
+                  </a:extLst>
+                </a:gridCol>
+                <a:gridCol w="2216150">
+                  <a:extLst>
+                    <a:ext uri="{9D8B030D-6E8A-4147-A177-3AD203B41FA5}">
+                      <a16:colId xmlns:a16="http://schemas.microsoft.com/office/drawing/2014/main" val="20001"/>
+                    </a:ext>
+                  </a:extLst>
+                </a:gridCol>
+                <a:gridCol w="2216150">
+                  <a:extLst>
+                    <a:ext uri="{9D8B030D-6E8A-4147-A177-3AD203B41FA5}">
+                      <a16:colId xmlns:a16="http://schemas.microsoft.com/office/drawing/2014/main" val="20002"/>
+                    </a:ext>
+                  </a:extLst>
+                </a:gridCol>
               </a:tblGrid>
               <a:tr h="720000">
                 <a:tc>
@@ -3914,9 +4098,10 @@
                       <a:pPr algn="ctr">
                         <a:defRPr sz="1800"/>
                       </a:pPr>
+                      <a:endParaRPr/>
                     </a:p>
                   </a:txBody>
-                  <a:tcPr marL="45720" marR="45720" marT="45720" marB="45720" anchor="ctr" anchorCtr="0" horzOverflow="overflow">
+                  <a:tcPr marL="45720" marR="45720" anchor="ctr" horzOverflow="overflow">
                     <a:solidFill>
                       <a:srgbClr val="E7E6E6"/>
                     </a:solidFill>
@@ -3935,7 +4120,7 @@
                       </a:r>
                     </a:p>
                   </a:txBody>
-                  <a:tcPr marL="45720" marR="45720" marT="45720" marB="45720" anchor="ctr" anchorCtr="0" horzOverflow="overflow">
+                  <a:tcPr marL="45720" marR="45720" anchor="ctr" horzOverflow="overflow">
                     <a:solidFill>
                       <a:srgbClr val="E7E6E6"/>
                     </a:solidFill>
@@ -3954,12 +4139,17 @@
                       </a:r>
                     </a:p>
                   </a:txBody>
-                  <a:tcPr marL="45720" marR="45720" marT="45720" marB="45720" anchor="ctr" anchorCtr="0" horzOverflow="overflow">
+                  <a:tcPr marL="45720" marR="45720" anchor="ctr" horzOverflow="overflow">
                     <a:solidFill>
                       <a:srgbClr val="E7E6E6"/>
                     </a:solidFill>
                   </a:tcPr>
                 </a:tc>
+                <a:extLst>
+                  <a:ext uri="{0D108BD9-81ED-4DB2-BD59-A6C34878D82A}">
+                    <a16:rowId xmlns:a16="http://schemas.microsoft.com/office/drawing/2014/main" val="10000"/>
+                  </a:ext>
+                </a:extLst>
               </a:tr>
               <a:tr h="1418166">
                 <a:tc>
@@ -3975,7 +4165,7 @@
                       </a:r>
                     </a:p>
                   </a:txBody>
-                  <a:tcPr marL="45720" marR="45720" marT="45720" marB="45720" anchor="ctr" anchorCtr="0" horzOverflow="overflow">
+                  <a:tcPr marL="45720" marR="45720" anchor="ctr" horzOverflow="overflow">
                     <a:solidFill>
                       <a:srgbClr val="E7E6E6"/>
                     </a:solidFill>
@@ -3995,7 +4185,7 @@
                       </a:r>
                     </a:p>
                   </a:txBody>
-                  <a:tcPr marL="45720" marR="45720" marT="45720" marB="45720" anchor="ctr" anchorCtr="0" horzOverflow="overflow">
+                  <a:tcPr marL="45720" marR="45720" anchor="ctr" horzOverflow="overflow">
                     <a:solidFill>
                       <a:srgbClr val="00B050"/>
                     </a:solidFill>
@@ -4015,12 +4205,17 @@
                       </a:r>
                     </a:p>
                   </a:txBody>
-                  <a:tcPr marL="45720" marR="45720" marT="45720" marB="45720" anchor="ctr" anchorCtr="0" horzOverflow="overflow">
+                  <a:tcPr marL="45720" marR="45720" anchor="ctr" horzOverflow="overflow">
                     <a:solidFill>
                       <a:srgbClr val="FF0000"/>
                     </a:solidFill>
                   </a:tcPr>
                 </a:tc>
+                <a:extLst>
+                  <a:ext uri="{0D108BD9-81ED-4DB2-BD59-A6C34878D82A}">
+                    <a16:rowId xmlns:a16="http://schemas.microsoft.com/office/drawing/2014/main" val="10001"/>
+                  </a:ext>
+                </a:extLst>
               </a:tr>
               <a:tr h="1418166">
                 <a:tc>
@@ -4036,7 +4231,7 @@
                       </a:r>
                     </a:p>
                   </a:txBody>
-                  <a:tcPr marL="45720" marR="45720" marT="45720" marB="45720" anchor="ctr" anchorCtr="0" horzOverflow="overflow">
+                  <a:tcPr marL="45720" marR="45720" anchor="ctr" horzOverflow="overflow">
                     <a:solidFill>
                       <a:srgbClr val="E7E6E6"/>
                     </a:solidFill>
@@ -4056,7 +4251,7 @@
                       </a:r>
                     </a:p>
                   </a:txBody>
-                  <a:tcPr marL="45720" marR="45720" marT="45720" marB="45720" anchor="ctr" anchorCtr="0" horzOverflow="overflow">
+                  <a:tcPr marL="45720" marR="45720" anchor="ctr" horzOverflow="overflow">
                     <a:solidFill>
                       <a:srgbClr val="FF0000"/>
                     </a:solidFill>
@@ -4076,12 +4271,17 @@
                       </a:r>
                     </a:p>
                   </a:txBody>
-                  <a:tcPr marL="45720" marR="45720" marT="45720" marB="45720" anchor="ctr" anchorCtr="0" horzOverflow="overflow">
+                  <a:tcPr marL="45720" marR="45720" anchor="ctr" horzOverflow="overflow">
                     <a:solidFill>
                       <a:srgbClr val="00B050"/>
                     </a:solidFill>
                   </a:tcPr>
                 </a:tc>
+                <a:extLst>
+                  <a:ext uri="{0D108BD9-81ED-4DB2-BD59-A6C34878D82A}">
+                    <a16:rowId xmlns:a16="http://schemas.microsoft.com/office/drawing/2014/main" val="10002"/>
+                  </a:ext>
+                </a:extLst>
               </a:tr>
             </a:tbl>
           </a:graphicData>
@@ -4090,7 +4290,9 @@
       <p:sp>
         <p:nvSpPr>
           <p:cNvPr id="131" name="Foliennummernplatzhalter 8"/>
-          <p:cNvSpPr txBox="1"/>
+          <p:cNvSpPr txBox="1">
+            <a:spLocks noGrp="1"/>
+          </p:cNvSpPr>
           <p:nvPr>
             <p:ph type="sldNum" sz="quarter" idx="2"/>
           </p:nvPr>
@@ -4105,7 +4307,7 @@
           </a:prstGeom>
           <a:extLst>
             <a:ext uri="{C572A759-6A51-4108-AA02-DFA0A04FC94B}">
-              <ma14:wrappingTextBoxFlag xmlns:ma14="http://schemas.microsoft.com/office/mac/drawingml/2011/main" val="1"/>
+              <ma14:wrappingTextBoxFlag xmlns:ma14="http://schemas.microsoft.com/office/mac/drawingml/2011/main" xmlns:a14="http://schemas.microsoft.com/office/drawing/2010/main" xmlns:m="http://schemas.openxmlformats.org/officeDocument/2006/math" xmlns="" val="1"/>
             </a:ext>
           </a:extLst>
         </p:spPr>
@@ -4113,8 +4315,10 @@
           <a:bodyPr/>
           <a:lstStyle/>
           <a:p>
-            <a:pPr/>
-            <a:fld id="{86CB4B4D-7CA3-9044-876B-883B54F8677D}" type="slidenum"/>
+            <a:fld id="{86CB4B4D-7CA3-9044-876B-883B54F8677D}" type="slidenum">
+              <a:t>5</a:t>
+            </a:fld>
+            <a:endParaRPr/>
           </a:p>
         </p:txBody>
       </p:sp>
@@ -4123,12 +4327,12 @@
   <p:clrMapOvr>
     <a:masterClrMapping/>
   </p:clrMapOvr>
-  <p:transition xmlns:p14="http://schemas.microsoft.com/office/powerpoint/2010/main" spd="med" advClick="1"/>
+  <p:transition spd="med"/>
 </p:sld>
 </file>
 
 <file path=ppt/theme/theme1.xml><?xml version="1.0" encoding="utf-8"?>
-<a:theme xmlns:a="http://schemas.openxmlformats.org/drawingml/2006/main" xmlns:r="http://schemas.openxmlformats.org/officeDocument/2006/relationships" name="Office">
+<a:theme xmlns:a="http://schemas.openxmlformats.org/drawingml/2006/main" name="Office">
   <a:themeElements>
     <a:clrScheme name="Office">
       <a:dk1>
@@ -4330,7 +4534,7 @@
         <a:effectLst/>
         <a:sp3d/>
       </a:spPr>
-      <a:bodyPr rot="0" spcFirstLastPara="1" vertOverflow="overflow" horzOverflow="overflow" vert="horz" wrap="square" lIns="45719" tIns="45719" rIns="45719" bIns="45719" numCol="1" spcCol="38100" rtlCol="0" anchor="ctr" upright="0">
+      <a:bodyPr rot="0" spcFirstLastPara="1" vertOverflow="overflow" horzOverflow="overflow" vert="horz" wrap="square" lIns="45719" tIns="45719" rIns="45719" bIns="45719" numCol="1" spcCol="38100" rtlCol="0" anchor="ctr">
         <a:spAutoFit/>
       </a:bodyPr>
       <a:lstStyle>
@@ -4349,7 +4553,7 @@
           <a:buFontTx/>
           <a:buNone/>
           <a:tabLst/>
-          <a:defRPr b="0" baseline="0" cap="none" i="0" spc="0" strike="noStrike" sz="1800" u="none" kumimoji="0" normalizeH="0">
+          <a:defRPr kumimoji="0" sz="1800" b="0" i="0" u="none" strike="noStrike" cap="none" spc="0" normalizeH="0" baseline="0">
             <a:ln>
               <a:noFill/>
             </a:ln>
@@ -4379,7 +4583,7 @@
           <a:buFontTx/>
           <a:buNone/>
           <a:tabLst/>
-          <a:defRPr b="0" baseline="0" cap="none" i="0" spc="0" strike="noStrike" sz="1800" u="none" kumimoji="0" normalizeH="0">
+          <a:defRPr kumimoji="0" sz="1800" b="0" i="0" u="none" strike="noStrike" cap="none" spc="0" normalizeH="0" baseline="0">
             <a:ln>
               <a:noFill/>
             </a:ln>
@@ -4405,7 +4609,7 @@
           <a:buFontTx/>
           <a:buNone/>
           <a:tabLst/>
-          <a:defRPr b="0" baseline="0" cap="none" i="0" spc="0" strike="noStrike" sz="1800" u="none" kumimoji="0" normalizeH="0">
+          <a:defRPr kumimoji="0" sz="1800" b="0" i="0" u="none" strike="noStrike" cap="none" spc="0" normalizeH="0" baseline="0">
             <a:ln>
               <a:noFill/>
             </a:ln>
@@ -4431,7 +4635,7 @@
           <a:buFontTx/>
           <a:buNone/>
           <a:tabLst/>
-          <a:defRPr b="0" baseline="0" cap="none" i="0" spc="0" strike="noStrike" sz="1800" u="none" kumimoji="0" normalizeH="0">
+          <a:defRPr kumimoji="0" sz="1800" b="0" i="0" u="none" strike="noStrike" cap="none" spc="0" normalizeH="0" baseline="0">
             <a:ln>
               <a:noFill/>
             </a:ln>
@@ -4457,7 +4661,7 @@
           <a:buFontTx/>
           <a:buNone/>
           <a:tabLst/>
-          <a:defRPr b="0" baseline="0" cap="none" i="0" spc="0" strike="noStrike" sz="1800" u="none" kumimoji="0" normalizeH="0">
+          <a:defRPr kumimoji="0" sz="1800" b="0" i="0" u="none" strike="noStrike" cap="none" spc="0" normalizeH="0" baseline="0">
             <a:ln>
               <a:noFill/>
             </a:ln>
@@ -4483,7 +4687,7 @@
           <a:buFontTx/>
           <a:buNone/>
           <a:tabLst/>
-          <a:defRPr b="0" baseline="0" cap="none" i="0" spc="0" strike="noStrike" sz="1800" u="none" kumimoji="0" normalizeH="0">
+          <a:defRPr kumimoji="0" sz="1800" b="0" i="0" u="none" strike="noStrike" cap="none" spc="0" normalizeH="0" baseline="0">
             <a:ln>
               <a:noFill/>
             </a:ln>
@@ -4509,7 +4713,7 @@
           <a:buFontTx/>
           <a:buNone/>
           <a:tabLst/>
-          <a:defRPr b="0" baseline="0" cap="none" i="0" spc="0" strike="noStrike" sz="1800" u="none" kumimoji="0" normalizeH="0">
+          <a:defRPr kumimoji="0" sz="1800" b="0" i="0" u="none" strike="noStrike" cap="none" spc="0" normalizeH="0" baseline="0">
             <a:ln>
               <a:noFill/>
             </a:ln>
@@ -4535,7 +4739,7 @@
           <a:buFontTx/>
           <a:buNone/>
           <a:tabLst/>
-          <a:defRPr b="0" baseline="0" cap="none" i="0" spc="0" strike="noStrike" sz="1800" u="none" kumimoji="0" normalizeH="0">
+          <a:defRPr kumimoji="0" sz="1800" b="0" i="0" u="none" strike="noStrike" cap="none" spc="0" normalizeH="0" baseline="0">
             <a:ln>
               <a:noFill/>
             </a:ln>
@@ -4561,7 +4765,7 @@
           <a:buFontTx/>
           <a:buNone/>
           <a:tabLst/>
-          <a:defRPr b="0" baseline="0" cap="none" i="0" spc="0" strike="noStrike" sz="1800" u="none" kumimoji="0" normalizeH="0">
+          <a:defRPr kumimoji="0" sz="1800" b="0" i="0" u="none" strike="noStrike" cap="none" spc="0" normalizeH="0" baseline="0">
             <a:ln>
               <a:noFill/>
             </a:ln>
@@ -4587,7 +4791,7 @@
           <a:buFontTx/>
           <a:buNone/>
           <a:tabLst/>
-          <a:defRPr b="0" baseline="0" cap="none" i="0" spc="0" strike="noStrike" sz="1800" u="none" kumimoji="0" normalizeH="0">
+          <a:defRPr kumimoji="0" sz="1800" b="0" i="0" u="none" strike="noStrike" cap="none" spc="0" normalizeH="0" baseline="0">
             <a:ln>
               <a:noFill/>
             </a:ln>
@@ -4600,9 +4804,15 @@
         </a:lvl9pPr>
       </a:lstStyle>
       <a:style>
-        <a:lnRef idx="0"/>
-        <a:fillRef idx="0"/>
-        <a:effectRef idx="0"/>
+        <a:lnRef idx="0">
+          <a:scrgbClr r="0" g="0" b="0"/>
+        </a:lnRef>
+        <a:fillRef idx="0">
+          <a:scrgbClr r="0" g="0" b="0"/>
+        </a:fillRef>
+        <a:effectRef idx="0">
+          <a:scrgbClr r="0" g="0" b="0"/>
+        </a:effectRef>
         <a:fontRef idx="none"/>
       </a:style>
     </a:spDef>
@@ -4619,7 +4829,7 @@
         <a:effectLst/>
         <a:sp3d/>
       </a:spPr>
-      <a:bodyPr rot="0" spcFirstLastPara="1" vertOverflow="overflow" horzOverflow="overflow" vert="horz" wrap="square" lIns="91439" tIns="45719" rIns="91439" bIns="45719" numCol="1" spcCol="38100" rtlCol="0" anchor="t" upright="0">
+      <a:bodyPr rot="0" spcFirstLastPara="1" vertOverflow="overflow" horzOverflow="overflow" vert="horz" wrap="square" lIns="91439" tIns="45719" rIns="91439" bIns="45719" numCol="1" spcCol="38100" rtlCol="0" anchor="t">
         <a:noAutofit/>
       </a:bodyPr>
       <a:lstStyle>
@@ -4638,7 +4848,7 @@
           <a:buFontTx/>
           <a:buNone/>
           <a:tabLst/>
-          <a:defRPr b="0" baseline="0" cap="none" i="0" spc="0" strike="noStrike" sz="1800" u="none" kumimoji="0" normalizeH="0">
+          <a:defRPr kumimoji="0" sz="1800" b="0" i="0" u="none" strike="noStrike" cap="none" spc="0" normalizeH="0" baseline="0">
             <a:ln>
               <a:noFill/>
             </a:ln>
@@ -4664,7 +4874,7 @@
           <a:buFontTx/>
           <a:buNone/>
           <a:tabLst/>
-          <a:defRPr b="0" baseline="0" cap="none" i="0" spc="0" strike="noStrike" sz="1800" u="none" kumimoji="0" normalizeH="0">
+          <a:defRPr kumimoji="0" sz="1800" b="0" i="0" u="none" strike="noStrike" cap="none" spc="0" normalizeH="0" baseline="0">
             <a:ln>
               <a:noFill/>
             </a:ln>
@@ -4690,7 +4900,7 @@
           <a:buFontTx/>
           <a:buNone/>
           <a:tabLst/>
-          <a:defRPr b="0" baseline="0" cap="none" i="0" spc="0" strike="noStrike" sz="1800" u="none" kumimoji="0" normalizeH="0">
+          <a:defRPr kumimoji="0" sz="1800" b="0" i="0" u="none" strike="noStrike" cap="none" spc="0" normalizeH="0" baseline="0">
             <a:ln>
               <a:noFill/>
             </a:ln>
@@ -4716,7 +4926,7 @@
           <a:buFontTx/>
           <a:buNone/>
           <a:tabLst/>
-          <a:defRPr b="0" baseline="0" cap="none" i="0" spc="0" strike="noStrike" sz="1800" u="none" kumimoji="0" normalizeH="0">
+          <a:defRPr kumimoji="0" sz="1800" b="0" i="0" u="none" strike="noStrike" cap="none" spc="0" normalizeH="0" baseline="0">
             <a:ln>
               <a:noFill/>
             </a:ln>
@@ -4742,7 +4952,7 @@
           <a:buFontTx/>
           <a:buNone/>
           <a:tabLst/>
-          <a:defRPr b="0" baseline="0" cap="none" i="0" spc="0" strike="noStrike" sz="1800" u="none" kumimoji="0" normalizeH="0">
+          <a:defRPr kumimoji="0" sz="1800" b="0" i="0" u="none" strike="noStrike" cap="none" spc="0" normalizeH="0" baseline="0">
             <a:ln>
               <a:noFill/>
             </a:ln>
@@ -4768,7 +4978,7 @@
           <a:buFontTx/>
           <a:buNone/>
           <a:tabLst/>
-          <a:defRPr b="0" baseline="0" cap="none" i="0" spc="0" strike="noStrike" sz="1800" u="none" kumimoji="0" normalizeH="0">
+          <a:defRPr kumimoji="0" sz="1800" b="0" i="0" u="none" strike="noStrike" cap="none" spc="0" normalizeH="0" baseline="0">
             <a:ln>
               <a:noFill/>
             </a:ln>
@@ -4794,7 +5004,7 @@
           <a:buFontTx/>
           <a:buNone/>
           <a:tabLst/>
-          <a:defRPr b="0" baseline="0" cap="none" i="0" spc="0" strike="noStrike" sz="1800" u="none" kumimoji="0" normalizeH="0">
+          <a:defRPr kumimoji="0" sz="1800" b="0" i="0" u="none" strike="noStrike" cap="none" spc="0" normalizeH="0" baseline="0">
             <a:ln>
               <a:noFill/>
             </a:ln>
@@ -4820,7 +5030,7 @@
           <a:buFontTx/>
           <a:buNone/>
           <a:tabLst/>
-          <a:defRPr b="0" baseline="0" cap="none" i="0" spc="0" strike="noStrike" sz="1800" u="none" kumimoji="0" normalizeH="0">
+          <a:defRPr kumimoji="0" sz="1800" b="0" i="0" u="none" strike="noStrike" cap="none" spc="0" normalizeH="0" baseline="0">
             <a:ln>
               <a:noFill/>
             </a:ln>
@@ -4846,7 +5056,7 @@
           <a:buFontTx/>
           <a:buNone/>
           <a:tabLst/>
-          <a:defRPr b="0" baseline="0" cap="none" i="0" spc="0" strike="noStrike" sz="1800" u="none" kumimoji="0" normalizeH="0">
+          <a:defRPr kumimoji="0" sz="1800" b="0" i="0" u="none" strike="noStrike" cap="none" spc="0" normalizeH="0" baseline="0">
             <a:ln>
               <a:noFill/>
             </a:ln>
@@ -4872,7 +5082,7 @@
           <a:buFontTx/>
           <a:buNone/>
           <a:tabLst/>
-          <a:defRPr b="0" baseline="0" cap="none" i="0" spc="0" strike="noStrike" sz="1800" u="none" kumimoji="0" normalizeH="0">
+          <a:defRPr kumimoji="0" sz="1800" b="0" i="0" u="none" strike="noStrike" cap="none" spc="0" normalizeH="0" baseline="0">
             <a:ln>
               <a:noFill/>
             </a:ln>
@@ -4885,9 +5095,15 @@
         </a:lvl9pPr>
       </a:lstStyle>
       <a:style>
-        <a:lnRef idx="0"/>
-        <a:fillRef idx="0"/>
-        <a:effectRef idx="0"/>
+        <a:lnRef idx="0">
+          <a:scrgbClr r="0" g="0" b="0"/>
+        </a:lnRef>
+        <a:fillRef idx="0">
+          <a:scrgbClr r="0" g="0" b="0"/>
+        </a:fillRef>
+        <a:effectRef idx="0">
+          <a:scrgbClr r="0" g="0" b="0"/>
+        </a:effectRef>
         <a:fontRef idx="none"/>
       </a:style>
     </a:lnDef>
@@ -4901,7 +5117,7 @@
         <a:effectLst/>
         <a:sp3d/>
       </a:spPr>
-      <a:bodyPr rot="0" spcFirstLastPara="1" vertOverflow="overflow" horzOverflow="overflow" vert="horz" wrap="square" lIns="45719" tIns="45719" rIns="45719" bIns="45719" numCol="1" spcCol="38100" rtlCol="0" anchor="t" upright="0">
+      <a:bodyPr rot="0" spcFirstLastPara="1" vertOverflow="overflow" horzOverflow="overflow" vert="horz" wrap="square" lIns="45719" tIns="45719" rIns="45719" bIns="45719" numCol="1" spcCol="38100" rtlCol="0" anchor="t">
         <a:spAutoFit/>
       </a:bodyPr>
       <a:lstStyle>
@@ -4920,7 +5136,7 @@
           <a:buFontTx/>
           <a:buNone/>
           <a:tabLst/>
-          <a:defRPr b="0" baseline="0" cap="none" i="0" spc="0" strike="noStrike" sz="1800" u="none" kumimoji="0" normalizeH="0">
+          <a:defRPr kumimoji="0" sz="1800" b="0" i="0" u="none" strike="noStrike" cap="none" spc="0" normalizeH="0" baseline="0">
             <a:ln>
               <a:noFill/>
             </a:ln>
@@ -4950,7 +5166,7 @@
           <a:buFontTx/>
           <a:buNone/>
           <a:tabLst/>
-          <a:defRPr b="0" baseline="0" cap="none" i="0" spc="0" strike="noStrike" sz="1800" u="none" kumimoji="0" normalizeH="0">
+          <a:defRPr kumimoji="0" sz="1800" b="0" i="0" u="none" strike="noStrike" cap="none" spc="0" normalizeH="0" baseline="0">
             <a:ln>
               <a:noFill/>
             </a:ln>
@@ -4976,7 +5192,7 @@
           <a:buFontTx/>
           <a:buNone/>
           <a:tabLst/>
-          <a:defRPr b="0" baseline="0" cap="none" i="0" spc="0" strike="noStrike" sz="1800" u="none" kumimoji="0" normalizeH="0">
+          <a:defRPr kumimoji="0" sz="1800" b="0" i="0" u="none" strike="noStrike" cap="none" spc="0" normalizeH="0" baseline="0">
             <a:ln>
               <a:noFill/>
             </a:ln>
@@ -5002,7 +5218,7 @@
           <a:buFontTx/>
           <a:buNone/>
           <a:tabLst/>
-          <a:defRPr b="0" baseline="0" cap="none" i="0" spc="0" strike="noStrike" sz="1800" u="none" kumimoji="0" normalizeH="0">
+          <a:defRPr kumimoji="0" sz="1800" b="0" i="0" u="none" strike="noStrike" cap="none" spc="0" normalizeH="0" baseline="0">
             <a:ln>
               <a:noFill/>
             </a:ln>
@@ -5028,7 +5244,7 @@
           <a:buFontTx/>
           <a:buNone/>
           <a:tabLst/>
-          <a:defRPr b="0" baseline="0" cap="none" i="0" spc="0" strike="noStrike" sz="1800" u="none" kumimoji="0" normalizeH="0">
+          <a:defRPr kumimoji="0" sz="1800" b="0" i="0" u="none" strike="noStrike" cap="none" spc="0" normalizeH="0" baseline="0">
             <a:ln>
               <a:noFill/>
             </a:ln>
@@ -5054,7 +5270,7 @@
           <a:buFontTx/>
           <a:buNone/>
           <a:tabLst/>
-          <a:defRPr b="0" baseline="0" cap="none" i="0" spc="0" strike="noStrike" sz="1800" u="none" kumimoji="0" normalizeH="0">
+          <a:defRPr kumimoji="0" sz="1800" b="0" i="0" u="none" strike="noStrike" cap="none" spc="0" normalizeH="0" baseline="0">
             <a:ln>
               <a:noFill/>
             </a:ln>
@@ -5080,7 +5296,7 @@
           <a:buFontTx/>
           <a:buNone/>
           <a:tabLst/>
-          <a:defRPr b="0" baseline="0" cap="none" i="0" spc="0" strike="noStrike" sz="1800" u="none" kumimoji="0" normalizeH="0">
+          <a:defRPr kumimoji="0" sz="1800" b="0" i="0" u="none" strike="noStrike" cap="none" spc="0" normalizeH="0" baseline="0">
             <a:ln>
               <a:noFill/>
             </a:ln>
@@ -5106,7 +5322,7 @@
           <a:buFontTx/>
           <a:buNone/>
           <a:tabLst/>
-          <a:defRPr b="0" baseline="0" cap="none" i="0" spc="0" strike="noStrike" sz="1800" u="none" kumimoji="0" normalizeH="0">
+          <a:defRPr kumimoji="0" sz="1800" b="0" i="0" u="none" strike="noStrike" cap="none" spc="0" normalizeH="0" baseline="0">
             <a:ln>
               <a:noFill/>
             </a:ln>
@@ -5132,7 +5348,7 @@
           <a:buFontTx/>
           <a:buNone/>
           <a:tabLst/>
-          <a:defRPr b="0" baseline="0" cap="none" i="0" spc="0" strike="noStrike" sz="1800" u="none" kumimoji="0" normalizeH="0">
+          <a:defRPr kumimoji="0" sz="1800" b="0" i="0" u="none" strike="noStrike" cap="none" spc="0" normalizeH="0" baseline="0">
             <a:ln>
               <a:noFill/>
             </a:ln>
@@ -5158,7 +5374,7 @@
           <a:buFontTx/>
           <a:buNone/>
           <a:tabLst/>
-          <a:defRPr b="0" baseline="0" cap="none" i="0" spc="0" strike="noStrike" sz="1800" u="none" kumimoji="0" normalizeH="0">
+          <a:defRPr kumimoji="0" sz="1800" b="0" i="0" u="none" strike="noStrike" cap="none" spc="0" normalizeH="0" baseline="0">
             <a:ln>
               <a:noFill/>
             </a:ln>
@@ -5171,18 +5387,25 @@
         </a:lvl9pPr>
       </a:lstStyle>
       <a:style>
-        <a:lnRef idx="0"/>
-        <a:fillRef idx="0"/>
-        <a:effectRef idx="0"/>
+        <a:lnRef idx="0">
+          <a:scrgbClr r="0" g="0" b="0"/>
+        </a:lnRef>
+        <a:fillRef idx="0">
+          <a:scrgbClr r="0" g="0" b="0"/>
+        </a:fillRef>
+        <a:effectRef idx="0">
+          <a:scrgbClr r="0" g="0" b="0"/>
+        </a:effectRef>
         <a:fontRef idx="none"/>
       </a:style>
     </a:txDef>
   </a:objectDefaults>
+  <a:extraClrSchemeLst/>
 </a:theme>
 </file>
 
 <file path=ppt/theme/theme2.xml><?xml version="1.0" encoding="utf-8"?>
-<a:theme xmlns:a="http://schemas.openxmlformats.org/drawingml/2006/main" xmlns:r="http://schemas.openxmlformats.org/officeDocument/2006/relationships" name="Office">
+<a:theme xmlns:a="http://schemas.openxmlformats.org/drawingml/2006/main" name="Office">
   <a:themeElements>
     <a:clrScheme name="Office">
       <a:dk1>
@@ -5384,7 +5607,7 @@
         <a:effectLst/>
         <a:sp3d/>
       </a:spPr>
-      <a:bodyPr rot="0" spcFirstLastPara="1" vertOverflow="overflow" horzOverflow="overflow" vert="horz" wrap="square" lIns="45719" tIns="45719" rIns="45719" bIns="45719" numCol="1" spcCol="38100" rtlCol="0" anchor="ctr" upright="0">
+      <a:bodyPr rot="0" spcFirstLastPara="1" vertOverflow="overflow" horzOverflow="overflow" vert="horz" wrap="square" lIns="45719" tIns="45719" rIns="45719" bIns="45719" numCol="1" spcCol="38100" rtlCol="0" anchor="ctr">
         <a:spAutoFit/>
       </a:bodyPr>
       <a:lstStyle>
@@ -5403,7 +5626,7 @@
           <a:buFontTx/>
           <a:buNone/>
           <a:tabLst/>
-          <a:defRPr b="0" baseline="0" cap="none" i="0" spc="0" strike="noStrike" sz="1800" u="none" kumimoji="0" normalizeH="0">
+          <a:defRPr kumimoji="0" sz="1800" b="0" i="0" u="none" strike="noStrike" cap="none" spc="0" normalizeH="0" baseline="0">
             <a:ln>
               <a:noFill/>
             </a:ln>
@@ -5433,7 +5656,7 @@
           <a:buFontTx/>
           <a:buNone/>
           <a:tabLst/>
-          <a:defRPr b="0" baseline="0" cap="none" i="0" spc="0" strike="noStrike" sz="1800" u="none" kumimoji="0" normalizeH="0">
+          <a:defRPr kumimoji="0" sz="1800" b="0" i="0" u="none" strike="noStrike" cap="none" spc="0" normalizeH="0" baseline="0">
             <a:ln>
               <a:noFill/>
             </a:ln>
@@ -5459,7 +5682,7 @@
           <a:buFontTx/>
           <a:buNone/>
           <a:tabLst/>
-          <a:defRPr b="0" baseline="0" cap="none" i="0" spc="0" strike="noStrike" sz="1800" u="none" kumimoji="0" normalizeH="0">
+          <a:defRPr kumimoji="0" sz="1800" b="0" i="0" u="none" strike="noStrike" cap="none" spc="0" normalizeH="0" baseline="0">
             <a:ln>
               <a:noFill/>
             </a:ln>
@@ -5485,7 +5708,7 @@
           <a:buFontTx/>
           <a:buNone/>
           <a:tabLst/>
-          <a:defRPr b="0" baseline="0" cap="none" i="0" spc="0" strike="noStrike" sz="1800" u="none" kumimoji="0" normalizeH="0">
+          <a:defRPr kumimoji="0" sz="1800" b="0" i="0" u="none" strike="noStrike" cap="none" spc="0" normalizeH="0" baseline="0">
             <a:ln>
               <a:noFill/>
             </a:ln>
@@ -5511,7 +5734,7 @@
           <a:buFontTx/>
           <a:buNone/>
           <a:tabLst/>
-          <a:defRPr b="0" baseline="0" cap="none" i="0" spc="0" strike="noStrike" sz="1800" u="none" kumimoji="0" normalizeH="0">
+          <a:defRPr kumimoji="0" sz="1800" b="0" i="0" u="none" strike="noStrike" cap="none" spc="0" normalizeH="0" baseline="0">
             <a:ln>
               <a:noFill/>
             </a:ln>
@@ -5537,7 +5760,7 @@
           <a:buFontTx/>
           <a:buNone/>
           <a:tabLst/>
-          <a:defRPr b="0" baseline="0" cap="none" i="0" spc="0" strike="noStrike" sz="1800" u="none" kumimoji="0" normalizeH="0">
+          <a:defRPr kumimoji="0" sz="1800" b="0" i="0" u="none" strike="noStrike" cap="none" spc="0" normalizeH="0" baseline="0">
             <a:ln>
               <a:noFill/>
             </a:ln>
@@ -5563,7 +5786,7 @@
           <a:buFontTx/>
           <a:buNone/>
           <a:tabLst/>
-          <a:defRPr b="0" baseline="0" cap="none" i="0" spc="0" strike="noStrike" sz="1800" u="none" kumimoji="0" normalizeH="0">
+          <a:defRPr kumimoji="0" sz="1800" b="0" i="0" u="none" strike="noStrike" cap="none" spc="0" normalizeH="0" baseline="0">
             <a:ln>
               <a:noFill/>
             </a:ln>
@@ -5589,7 +5812,7 @@
           <a:buFontTx/>
           <a:buNone/>
           <a:tabLst/>
-          <a:defRPr b="0" baseline="0" cap="none" i="0" spc="0" strike="noStrike" sz="1800" u="none" kumimoji="0" normalizeH="0">
+          <a:defRPr kumimoji="0" sz="1800" b="0" i="0" u="none" strike="noStrike" cap="none" spc="0" normalizeH="0" baseline="0">
             <a:ln>
               <a:noFill/>
             </a:ln>
@@ -5615,7 +5838,7 @@
           <a:buFontTx/>
           <a:buNone/>
           <a:tabLst/>
-          <a:defRPr b="0" baseline="0" cap="none" i="0" spc="0" strike="noStrike" sz="1800" u="none" kumimoji="0" normalizeH="0">
+          <a:defRPr kumimoji="0" sz="1800" b="0" i="0" u="none" strike="noStrike" cap="none" spc="0" normalizeH="0" baseline="0">
             <a:ln>
               <a:noFill/>
             </a:ln>
@@ -5641,7 +5864,7 @@
           <a:buFontTx/>
           <a:buNone/>
           <a:tabLst/>
-          <a:defRPr b="0" baseline="0" cap="none" i="0" spc="0" strike="noStrike" sz="1800" u="none" kumimoji="0" normalizeH="0">
+          <a:defRPr kumimoji="0" sz="1800" b="0" i="0" u="none" strike="noStrike" cap="none" spc="0" normalizeH="0" baseline="0">
             <a:ln>
               <a:noFill/>
             </a:ln>
@@ -5654,9 +5877,15 @@
         </a:lvl9pPr>
       </a:lstStyle>
       <a:style>
-        <a:lnRef idx="0"/>
-        <a:fillRef idx="0"/>
-        <a:effectRef idx="0"/>
+        <a:lnRef idx="0">
+          <a:scrgbClr r="0" g="0" b="0"/>
+        </a:lnRef>
+        <a:fillRef idx="0">
+          <a:scrgbClr r="0" g="0" b="0"/>
+        </a:fillRef>
+        <a:effectRef idx="0">
+          <a:scrgbClr r="0" g="0" b="0"/>
+        </a:effectRef>
         <a:fontRef idx="none"/>
       </a:style>
     </a:spDef>
@@ -5673,7 +5902,7 @@
         <a:effectLst/>
         <a:sp3d/>
       </a:spPr>
-      <a:bodyPr rot="0" spcFirstLastPara="1" vertOverflow="overflow" horzOverflow="overflow" vert="horz" wrap="square" lIns="91439" tIns="45719" rIns="91439" bIns="45719" numCol="1" spcCol="38100" rtlCol="0" anchor="t" upright="0">
+      <a:bodyPr rot="0" spcFirstLastPara="1" vertOverflow="overflow" horzOverflow="overflow" vert="horz" wrap="square" lIns="91439" tIns="45719" rIns="91439" bIns="45719" numCol="1" spcCol="38100" rtlCol="0" anchor="t">
         <a:noAutofit/>
       </a:bodyPr>
       <a:lstStyle>
@@ -5692,7 +5921,7 @@
           <a:buFontTx/>
           <a:buNone/>
           <a:tabLst/>
-          <a:defRPr b="0" baseline="0" cap="none" i="0" spc="0" strike="noStrike" sz="1800" u="none" kumimoji="0" normalizeH="0">
+          <a:defRPr kumimoji="0" sz="1800" b="0" i="0" u="none" strike="noStrike" cap="none" spc="0" normalizeH="0" baseline="0">
             <a:ln>
               <a:noFill/>
             </a:ln>
@@ -5718,7 +5947,7 @@
           <a:buFontTx/>
           <a:buNone/>
           <a:tabLst/>
-          <a:defRPr b="0" baseline="0" cap="none" i="0" spc="0" strike="noStrike" sz="1800" u="none" kumimoji="0" normalizeH="0">
+          <a:defRPr kumimoji="0" sz="1800" b="0" i="0" u="none" strike="noStrike" cap="none" spc="0" normalizeH="0" baseline="0">
             <a:ln>
               <a:noFill/>
             </a:ln>
@@ -5744,7 +5973,7 @@
           <a:buFontTx/>
           <a:buNone/>
           <a:tabLst/>
-          <a:defRPr b="0" baseline="0" cap="none" i="0" spc="0" strike="noStrike" sz="1800" u="none" kumimoji="0" normalizeH="0">
+          <a:defRPr kumimoji="0" sz="1800" b="0" i="0" u="none" strike="noStrike" cap="none" spc="0" normalizeH="0" baseline="0">
             <a:ln>
               <a:noFill/>
             </a:ln>
@@ -5770,7 +5999,7 @@
           <a:buFontTx/>
           <a:buNone/>
           <a:tabLst/>
-          <a:defRPr b="0" baseline="0" cap="none" i="0" spc="0" strike="noStrike" sz="1800" u="none" kumimoji="0" normalizeH="0">
+          <a:defRPr kumimoji="0" sz="1800" b="0" i="0" u="none" strike="noStrike" cap="none" spc="0" normalizeH="0" baseline="0">
             <a:ln>
               <a:noFill/>
             </a:ln>
@@ -5796,7 +6025,7 @@
           <a:buFontTx/>
           <a:buNone/>
           <a:tabLst/>
-          <a:defRPr b="0" baseline="0" cap="none" i="0" spc="0" strike="noStrike" sz="1800" u="none" kumimoji="0" normalizeH="0">
+          <a:defRPr kumimoji="0" sz="1800" b="0" i="0" u="none" strike="noStrike" cap="none" spc="0" normalizeH="0" baseline="0">
             <a:ln>
               <a:noFill/>
             </a:ln>
@@ -5822,7 +6051,7 @@
           <a:buFontTx/>
           <a:buNone/>
           <a:tabLst/>
-          <a:defRPr b="0" baseline="0" cap="none" i="0" spc="0" strike="noStrike" sz="1800" u="none" kumimoji="0" normalizeH="0">
+          <a:defRPr kumimoji="0" sz="1800" b="0" i="0" u="none" strike="noStrike" cap="none" spc="0" normalizeH="0" baseline="0">
             <a:ln>
               <a:noFill/>
             </a:ln>
@@ -5848,7 +6077,7 @@
           <a:buFontTx/>
           <a:buNone/>
           <a:tabLst/>
-          <a:defRPr b="0" baseline="0" cap="none" i="0" spc="0" strike="noStrike" sz="1800" u="none" kumimoji="0" normalizeH="0">
+          <a:defRPr kumimoji="0" sz="1800" b="0" i="0" u="none" strike="noStrike" cap="none" spc="0" normalizeH="0" baseline="0">
             <a:ln>
               <a:noFill/>
             </a:ln>
@@ -5874,7 +6103,7 @@
           <a:buFontTx/>
           <a:buNone/>
           <a:tabLst/>
-          <a:defRPr b="0" baseline="0" cap="none" i="0" spc="0" strike="noStrike" sz="1800" u="none" kumimoji="0" normalizeH="0">
+          <a:defRPr kumimoji="0" sz="1800" b="0" i="0" u="none" strike="noStrike" cap="none" spc="0" normalizeH="0" baseline="0">
             <a:ln>
               <a:noFill/>
             </a:ln>
@@ -5900,7 +6129,7 @@
           <a:buFontTx/>
           <a:buNone/>
           <a:tabLst/>
-          <a:defRPr b="0" baseline="0" cap="none" i="0" spc="0" strike="noStrike" sz="1800" u="none" kumimoji="0" normalizeH="0">
+          <a:defRPr kumimoji="0" sz="1800" b="0" i="0" u="none" strike="noStrike" cap="none" spc="0" normalizeH="0" baseline="0">
             <a:ln>
               <a:noFill/>
             </a:ln>
@@ -5926,7 +6155,7 @@
           <a:buFontTx/>
           <a:buNone/>
           <a:tabLst/>
-          <a:defRPr b="0" baseline="0" cap="none" i="0" spc="0" strike="noStrike" sz="1800" u="none" kumimoji="0" normalizeH="0">
+          <a:defRPr kumimoji="0" sz="1800" b="0" i="0" u="none" strike="noStrike" cap="none" spc="0" normalizeH="0" baseline="0">
             <a:ln>
               <a:noFill/>
             </a:ln>
@@ -5939,9 +6168,15 @@
         </a:lvl9pPr>
       </a:lstStyle>
       <a:style>
-        <a:lnRef idx="0"/>
-        <a:fillRef idx="0"/>
-        <a:effectRef idx="0"/>
+        <a:lnRef idx="0">
+          <a:scrgbClr r="0" g="0" b="0"/>
+        </a:lnRef>
+        <a:fillRef idx="0">
+          <a:scrgbClr r="0" g="0" b="0"/>
+        </a:fillRef>
+        <a:effectRef idx="0">
+          <a:scrgbClr r="0" g="0" b="0"/>
+        </a:effectRef>
         <a:fontRef idx="none"/>
       </a:style>
     </a:lnDef>
@@ -5955,7 +6190,7 @@
         <a:effectLst/>
         <a:sp3d/>
       </a:spPr>
-      <a:bodyPr rot="0" spcFirstLastPara="1" vertOverflow="overflow" horzOverflow="overflow" vert="horz" wrap="square" lIns="45719" tIns="45719" rIns="45719" bIns="45719" numCol="1" spcCol="38100" rtlCol="0" anchor="t" upright="0">
+      <a:bodyPr rot="0" spcFirstLastPara="1" vertOverflow="overflow" horzOverflow="overflow" vert="horz" wrap="square" lIns="45719" tIns="45719" rIns="45719" bIns="45719" numCol="1" spcCol="38100" rtlCol="0" anchor="t">
         <a:spAutoFit/>
       </a:bodyPr>
       <a:lstStyle>
@@ -5974,7 +6209,7 @@
           <a:buFontTx/>
           <a:buNone/>
           <a:tabLst/>
-          <a:defRPr b="0" baseline="0" cap="none" i="0" spc="0" strike="noStrike" sz="1800" u="none" kumimoji="0" normalizeH="0">
+          <a:defRPr kumimoji="0" sz="1800" b="0" i="0" u="none" strike="noStrike" cap="none" spc="0" normalizeH="0" baseline="0">
             <a:ln>
               <a:noFill/>
             </a:ln>
@@ -6004,7 +6239,7 @@
           <a:buFontTx/>
           <a:buNone/>
           <a:tabLst/>
-          <a:defRPr b="0" baseline="0" cap="none" i="0" spc="0" strike="noStrike" sz="1800" u="none" kumimoji="0" normalizeH="0">
+          <a:defRPr kumimoji="0" sz="1800" b="0" i="0" u="none" strike="noStrike" cap="none" spc="0" normalizeH="0" baseline="0">
             <a:ln>
               <a:noFill/>
             </a:ln>
@@ -6030,7 +6265,7 @@
           <a:buFontTx/>
           <a:buNone/>
           <a:tabLst/>
-          <a:defRPr b="0" baseline="0" cap="none" i="0" spc="0" strike="noStrike" sz="1800" u="none" kumimoji="0" normalizeH="0">
+          <a:defRPr kumimoji="0" sz="1800" b="0" i="0" u="none" strike="noStrike" cap="none" spc="0" normalizeH="0" baseline="0">
             <a:ln>
               <a:noFill/>
             </a:ln>
@@ -6056,7 +6291,7 @@
           <a:buFontTx/>
           <a:buNone/>
           <a:tabLst/>
-          <a:defRPr b="0" baseline="0" cap="none" i="0" spc="0" strike="noStrike" sz="1800" u="none" kumimoji="0" normalizeH="0">
+          <a:defRPr kumimoji="0" sz="1800" b="0" i="0" u="none" strike="noStrike" cap="none" spc="0" normalizeH="0" baseline="0">
             <a:ln>
               <a:noFill/>
             </a:ln>
@@ -6082,7 +6317,7 @@
           <a:buFontTx/>
           <a:buNone/>
           <a:tabLst/>
-          <a:defRPr b="0" baseline="0" cap="none" i="0" spc="0" strike="noStrike" sz="1800" u="none" kumimoji="0" normalizeH="0">
+          <a:defRPr kumimoji="0" sz="1800" b="0" i="0" u="none" strike="noStrike" cap="none" spc="0" normalizeH="0" baseline="0">
             <a:ln>
               <a:noFill/>
             </a:ln>
@@ -6108,7 +6343,7 @@
           <a:buFontTx/>
           <a:buNone/>
           <a:tabLst/>
-          <a:defRPr b="0" baseline="0" cap="none" i="0" spc="0" strike="noStrike" sz="1800" u="none" kumimoji="0" normalizeH="0">
+          <a:defRPr kumimoji="0" sz="1800" b="0" i="0" u="none" strike="noStrike" cap="none" spc="0" normalizeH="0" baseline="0">
             <a:ln>
               <a:noFill/>
             </a:ln>
@@ -6134,7 +6369,7 @@
           <a:buFontTx/>
           <a:buNone/>
           <a:tabLst/>
-          <a:defRPr b="0" baseline="0" cap="none" i="0" spc="0" strike="noStrike" sz="1800" u="none" kumimoji="0" normalizeH="0">
+          <a:defRPr kumimoji="0" sz="1800" b="0" i="0" u="none" strike="noStrike" cap="none" spc="0" normalizeH="0" baseline="0">
             <a:ln>
               <a:noFill/>
             </a:ln>
@@ -6160,7 +6395,7 @@
           <a:buFontTx/>
           <a:buNone/>
           <a:tabLst/>
-          <a:defRPr b="0" baseline="0" cap="none" i="0" spc="0" strike="noStrike" sz="1800" u="none" kumimoji="0" normalizeH="0">
+          <a:defRPr kumimoji="0" sz="1800" b="0" i="0" u="none" strike="noStrike" cap="none" spc="0" normalizeH="0" baseline="0">
             <a:ln>
               <a:noFill/>
             </a:ln>
@@ -6186,7 +6421,7 @@
           <a:buFontTx/>
           <a:buNone/>
           <a:tabLst/>
-          <a:defRPr b="0" baseline="0" cap="none" i="0" spc="0" strike="noStrike" sz="1800" u="none" kumimoji="0" normalizeH="0">
+          <a:defRPr kumimoji="0" sz="1800" b="0" i="0" u="none" strike="noStrike" cap="none" spc="0" normalizeH="0" baseline="0">
             <a:ln>
               <a:noFill/>
             </a:ln>
@@ -6212,7 +6447,7 @@
           <a:buFontTx/>
           <a:buNone/>
           <a:tabLst/>
-          <a:defRPr b="0" baseline="0" cap="none" i="0" spc="0" strike="noStrike" sz="1800" u="none" kumimoji="0" normalizeH="0">
+          <a:defRPr kumimoji="0" sz="1800" b="0" i="0" u="none" strike="noStrike" cap="none" spc="0" normalizeH="0" baseline="0">
             <a:ln>
               <a:noFill/>
             </a:ln>
@@ -6225,12 +6460,19 @@
         </a:lvl9pPr>
       </a:lstStyle>
       <a:style>
-        <a:lnRef idx="0"/>
-        <a:fillRef idx="0"/>
-        <a:effectRef idx="0"/>
+        <a:lnRef idx="0">
+          <a:scrgbClr r="0" g="0" b="0"/>
+        </a:lnRef>
+        <a:fillRef idx="0">
+          <a:scrgbClr r="0" g="0" b="0"/>
+        </a:fillRef>
+        <a:effectRef idx="0">
+          <a:scrgbClr r="0" g="0" b="0"/>
+        </a:effectRef>
         <a:fontRef idx="none"/>
       </a:style>
     </a:txDef>
   </a:objectDefaults>
+  <a:extraClrSchemeLst/>
 </a:theme>
 </file>
--- a/FinalPresentationPP1BLOSUMSNAP.pptx
+++ b/FinalPresentationPP1BLOSUMSNAP.pptx
@@ -314,6 +314,11 @@
       </a:defRPr>
     </a:lvl9pPr>
   </p:defaultTextStyle>
+  <p:extLst>
+    <p:ext uri="{EFAFB233-063F-42B5-8137-9DF3F51BA10A}">
+      <p15:sldGuideLst xmlns:p15="http://schemas.microsoft.com/office/powerpoint/2012/main"/>
+    </p:ext>
+  </p:extLst>
 </p:presentation>
 </file>
 
@@ -1965,7 +1970,7 @@
           </a:ln>
           <a:extLst>
             <a:ext uri="{C572A759-6A51-4108-AA02-DFA0A04FC94B}">
-              <ma14:wrappingTextBoxFlag xmlns:ma14="http://schemas.microsoft.com/office/mac/drawingml/2011/main" xmlns:a14="http://schemas.microsoft.com/office/drawing/2010/main" xmlns:m="http://schemas.openxmlformats.org/officeDocument/2006/math" xmlns="" val="1"/>
+              <ma14:wrappingTextBoxFlag xmlns="" xmlns:m="http://schemas.openxmlformats.org/officeDocument/2006/math" xmlns:a14="http://schemas.microsoft.com/office/drawing/2010/main" xmlns:ma14="http://schemas.microsoft.com/office/mac/drawingml/2011/main" val="1"/>
             </a:ext>
           </a:extLst>
         </p:spPr>
@@ -2004,7 +2009,7 @@
           </a:ln>
           <a:extLst>
             <a:ext uri="{C572A759-6A51-4108-AA02-DFA0A04FC94B}">
-              <ma14:wrappingTextBoxFlag xmlns:ma14="http://schemas.microsoft.com/office/mac/drawingml/2011/main" xmlns:a14="http://schemas.microsoft.com/office/drawing/2010/main" xmlns:m="http://schemas.openxmlformats.org/officeDocument/2006/math" xmlns="" val="1"/>
+              <ma14:wrappingTextBoxFlag xmlns="" xmlns:m="http://schemas.openxmlformats.org/officeDocument/2006/math" xmlns:a14="http://schemas.microsoft.com/office/drawing/2010/main" xmlns:ma14="http://schemas.microsoft.com/office/mac/drawingml/2011/main" val="1"/>
             </a:ext>
           </a:extLst>
         </p:spPr>
@@ -3049,7 +3054,7 @@
           </a:prstGeom>
           <a:extLst>
             <a:ext uri="{C572A759-6A51-4108-AA02-DFA0A04FC94B}">
-              <ma14:wrappingTextBoxFlag xmlns:ma14="http://schemas.microsoft.com/office/mac/drawingml/2011/main" xmlns:a14="http://schemas.microsoft.com/office/drawing/2010/main" xmlns:m="http://schemas.openxmlformats.org/officeDocument/2006/math" xmlns="" val="1"/>
+              <ma14:wrappingTextBoxFlag xmlns="" xmlns:m="http://schemas.openxmlformats.org/officeDocument/2006/math" xmlns:a14="http://schemas.microsoft.com/office/drawing/2010/main" xmlns:ma14="http://schemas.microsoft.com/office/mac/drawingml/2011/main" val="1"/>
             </a:ext>
           </a:extLst>
         </p:spPr>
@@ -3290,7 +3295,7 @@
           </a:prstGeom>
           <a:extLst>
             <a:ext uri="{C572A759-6A51-4108-AA02-DFA0A04FC94B}">
-              <ma14:wrappingTextBoxFlag xmlns:ma14="http://schemas.microsoft.com/office/mac/drawingml/2011/main" xmlns:a14="http://schemas.microsoft.com/office/drawing/2010/main" xmlns:m="http://schemas.openxmlformats.org/officeDocument/2006/math" xmlns="" val="1"/>
+              <ma14:wrappingTextBoxFlag xmlns="" xmlns:m="http://schemas.openxmlformats.org/officeDocument/2006/math" xmlns:a14="http://schemas.microsoft.com/office/drawing/2010/main" xmlns:ma14="http://schemas.microsoft.com/office/mac/drawingml/2011/main" val="1"/>
             </a:ext>
           </a:extLst>
         </p:spPr>
@@ -3382,7 +3387,7 @@
           </a:prstGeom>
           <a:extLst>
             <a:ext uri="{C572A759-6A51-4108-AA02-DFA0A04FC94B}">
-              <ma14:wrappingTextBoxFlag xmlns:ma14="http://schemas.microsoft.com/office/mac/drawingml/2011/main" xmlns:a14="http://schemas.microsoft.com/office/drawing/2010/main" xmlns:m="http://schemas.openxmlformats.org/officeDocument/2006/math" xmlns="" val="1"/>
+              <ma14:wrappingTextBoxFlag xmlns="" xmlns:m="http://schemas.openxmlformats.org/officeDocument/2006/math" xmlns:a14="http://schemas.microsoft.com/office/drawing/2010/main" xmlns:ma14="http://schemas.microsoft.com/office/mac/drawingml/2011/main" val="1"/>
             </a:ext>
           </a:extLst>
         </p:spPr>
@@ -3464,7 +3469,7 @@
         </p:nvSpPr>
         <p:spPr>
           <a:xfrm>
-            <a:off x="838200" y="365125"/>
+            <a:off x="959317" y="2673713"/>
             <a:ext cx="10515600" cy="1325563"/>
           </a:xfrm>
           <a:prstGeom prst="rect">
@@ -3478,35 +3483,9 @@
           </a:lstStyle>
           <a:p>
             <a:r>
+              <a:rPr dirty="0"/>
               <a:t>Hyper Parameter Grid Search</a:t>
             </a:r>
-          </a:p>
-        </p:txBody>
-      </p:sp>
-      <p:sp>
-        <p:nvSpPr>
-          <p:cNvPr id="113" name="Inhaltsplatzhalter 2"/>
-          <p:cNvSpPr txBox="1">
-            <a:spLocks noGrp="1"/>
-          </p:cNvSpPr>
-          <p:nvPr>
-            <p:ph type="body" idx="1"/>
-          </p:nvPr>
-        </p:nvSpPr>
-        <p:spPr>
-          <a:xfrm>
-            <a:off x="838200" y="1825625"/>
-            <a:ext cx="10515600" cy="4351338"/>
-          </a:xfrm>
-          <a:prstGeom prst="rect">
-            <a:avLst/>
-          </a:prstGeom>
-        </p:spPr>
-        <p:txBody>
-          <a:bodyPr/>
-          <a:lstStyle/>
-          <a:p>
-            <a:endParaRPr/>
           </a:p>
         </p:txBody>
       </p:sp>
@@ -3522,15 +3501,15 @@
         </p:nvSpPr>
         <p:spPr>
           <a:xfrm>
-            <a:off x="11169739" y="6404292"/>
-            <a:ext cx="184062" cy="269241"/>
+            <a:off x="11394161" y="8670256"/>
+            <a:ext cx="161513" cy="224436"/>
           </a:xfrm>
           <a:prstGeom prst="rect">
             <a:avLst/>
           </a:prstGeom>
           <a:extLst>
             <a:ext uri="{C572A759-6A51-4108-AA02-DFA0A04FC94B}">
-              <ma14:wrappingTextBoxFlag xmlns:ma14="http://schemas.microsoft.com/office/mac/drawingml/2011/main" xmlns:a14="http://schemas.microsoft.com/office/drawing/2010/main" xmlns:m="http://schemas.openxmlformats.org/officeDocument/2006/math" xmlns="" val="1"/>
+              <ma14:wrappingTextBoxFlag xmlns="" xmlns:m="http://schemas.openxmlformats.org/officeDocument/2006/math" xmlns:a14="http://schemas.microsoft.com/office/drawing/2010/main" xmlns:ma14="http://schemas.microsoft.com/office/mac/drawingml/2011/main" val="1"/>
             </a:ext>
           </a:extLst>
         </p:spPr>
@@ -3547,7 +3526,7 @@
       </p:sp>
       <p:pic>
         <p:nvPicPr>
-          <p:cNvPr id="115" name="WeighNonBinding.png" descr="WeighNonBinding.png"/>
+          <p:cNvPr id="119" name="HiddenNodes.png" descr="HiddenNodes.png"/>
           <p:cNvPicPr>
             <a:picLocks noChangeAspect="1"/>
           </p:cNvPicPr>
@@ -3563,124 +3542,8 @@
         </p:blipFill>
         <p:spPr>
           <a:xfrm>
-            <a:off x="3901888" y="3047992"/>
-            <a:ext cx="6344024" cy="3354404"/>
-          </a:xfrm>
-          <a:prstGeom prst="rect">
-            <a:avLst/>
-          </a:prstGeom>
-          <a:ln w="12700">
-            <a:miter lim="400000"/>
-          </a:ln>
-        </p:spPr>
-      </p:pic>
-      <p:pic>
-        <p:nvPicPr>
-          <p:cNvPr id="116" name="WeightBinding.png" descr="WeightBinding.png"/>
-          <p:cNvPicPr>
-            <a:picLocks noChangeAspect="1"/>
-          </p:cNvPicPr>
-          <p:nvPr/>
-        </p:nvPicPr>
-        <p:blipFill>
-          <a:blip r:embed="rId3">
-            <a:extLst/>
-          </a:blip>
-          <a:stretch>
-            <a:fillRect/>
-          </a:stretch>
-        </p:blipFill>
-        <p:spPr>
-          <a:xfrm>
-            <a:off x="6868919" y="2971418"/>
-            <a:ext cx="4615438" cy="2440414"/>
-          </a:xfrm>
-          <a:prstGeom prst="rect">
-            <a:avLst/>
-          </a:prstGeom>
-          <a:ln w="12700">
-            <a:miter lim="400000"/>
-          </a:ln>
-        </p:spPr>
-      </p:pic>
-      <p:pic>
-        <p:nvPicPr>
-          <p:cNvPr id="117" name="Momentum.png" descr="Momentum.png"/>
-          <p:cNvPicPr>
-            <a:picLocks noChangeAspect="1"/>
-          </p:cNvPicPr>
-          <p:nvPr/>
-        </p:nvPicPr>
-        <p:blipFill>
-          <a:blip r:embed="rId4">
-            <a:extLst/>
-          </a:blip>
-          <a:stretch>
-            <a:fillRect/>
-          </a:stretch>
-        </p:blipFill>
-        <p:spPr>
-          <a:xfrm>
-            <a:off x="481356" y="1755145"/>
-            <a:ext cx="5026348" cy="4492298"/>
-          </a:xfrm>
-          <a:prstGeom prst="rect">
-            <a:avLst/>
-          </a:prstGeom>
-          <a:ln w="12700">
-            <a:miter lim="400000"/>
-          </a:ln>
-        </p:spPr>
-      </p:pic>
-      <p:pic>
-        <p:nvPicPr>
-          <p:cNvPr id="118" name="EpochMCC.png" descr="EpochMCC.png"/>
-          <p:cNvPicPr>
-            <a:picLocks noChangeAspect="1"/>
-          </p:cNvPicPr>
-          <p:nvPr/>
-        </p:nvPicPr>
-        <p:blipFill>
-          <a:blip r:embed="rId5">
-            <a:extLst/>
-          </a:blip>
-          <a:stretch>
-            <a:fillRect/>
-          </a:stretch>
-        </p:blipFill>
-        <p:spPr>
-          <a:xfrm>
-            <a:off x="2286000" y="25400"/>
-            <a:ext cx="7620000" cy="6807200"/>
-          </a:xfrm>
-          <a:prstGeom prst="rect">
-            <a:avLst/>
-          </a:prstGeom>
-          <a:ln w="12700">
-            <a:miter lim="400000"/>
-          </a:ln>
-        </p:spPr>
-      </p:pic>
-      <p:pic>
-        <p:nvPicPr>
-          <p:cNvPr id="119" name="HiddenNodes.png" descr="HiddenNodes.png"/>
-          <p:cNvPicPr>
-            <a:picLocks noChangeAspect="1"/>
-          </p:cNvPicPr>
-          <p:nvPr/>
-        </p:nvPicPr>
-        <p:blipFill>
-          <a:blip r:embed="rId6">
-            <a:extLst/>
-          </a:blip>
-          <a:stretch>
-            <a:fillRect/>
-          </a:stretch>
-        </p:blipFill>
-        <p:spPr>
-          <a:xfrm>
-            <a:off x="1143000" y="869950"/>
-            <a:ext cx="10160000" cy="5372100"/>
+            <a:off x="1421354" y="796827"/>
+            <a:ext cx="8915314" cy="4713972"/>
           </a:xfrm>
           <a:prstGeom prst="rect">
             <a:avLst/>
@@ -3699,7 +3562,7 @@
           <p:nvPr/>
         </p:nvPicPr>
         <p:blipFill>
-          <a:blip r:embed="rId2">
+          <a:blip r:embed="rId3">
             <a:extLst/>
           </a:blip>
           <a:stretch>
@@ -3708,8 +3571,8 @@
         </p:blipFill>
         <p:spPr>
           <a:xfrm>
-            <a:off x="1270000" y="996950"/>
-            <a:ext cx="10160000" cy="5372100"/>
+            <a:off x="1421354" y="892044"/>
+            <a:ext cx="8915314" cy="4713972"/>
           </a:xfrm>
           <a:prstGeom prst="rect">
             <a:avLst/>
@@ -3728,7 +3591,7 @@
           <p:nvPr/>
         </p:nvPicPr>
         <p:blipFill>
-          <a:blip r:embed="rId3">
+          <a:blip r:embed="rId4">
             <a:extLst/>
           </a:blip>
           <a:stretch>
@@ -3737,8 +3600,8 @@
         </p:blipFill>
         <p:spPr>
           <a:xfrm>
-            <a:off x="1397000" y="1123950"/>
-            <a:ext cx="10160000" cy="5372100"/>
+            <a:off x="1464849" y="757107"/>
+            <a:ext cx="8915314" cy="4713972"/>
           </a:xfrm>
           <a:prstGeom prst="rect">
             <a:avLst/>
@@ -3757,7 +3620,7 @@
           <p:nvPr/>
         </p:nvPicPr>
         <p:blipFill>
-          <a:blip r:embed="rId7">
+          <a:blip r:embed="rId5">
             <a:extLst/>
           </a:blip>
           <a:stretch>
@@ -3766,8 +3629,8 @@
         </p:blipFill>
         <p:spPr>
           <a:xfrm>
-            <a:off x="2767356" y="508000"/>
-            <a:ext cx="7673288" cy="6858000"/>
+            <a:off x="1891977" y="225666"/>
+            <a:ext cx="6733245" cy="6017837"/>
           </a:xfrm>
           <a:prstGeom prst="rect">
             <a:avLst/>
@@ -3786,7 +3649,7 @@
           <p:nvPr/>
         </p:nvPicPr>
         <p:blipFill>
-          <a:blip r:embed="rId8">
+          <a:blip r:embed="rId6">
             <a:extLst/>
           </a:blip>
           <a:stretch>
@@ -3795,8 +3658,8 @@
         </p:blipFill>
         <p:spPr>
           <a:xfrm>
-            <a:off x="2894356" y="635000"/>
-            <a:ext cx="7673288" cy="6858000"/>
+            <a:off x="2089868" y="264720"/>
+            <a:ext cx="6733245" cy="6017837"/>
           </a:xfrm>
           <a:prstGeom prst="rect">
             <a:avLst/>
@@ -3815,7 +3678,7 @@
           <p:nvPr/>
         </p:nvPicPr>
         <p:blipFill>
-          <a:blip r:embed="rId4">
+          <a:blip r:embed="rId7">
             <a:extLst/>
           </a:blip>
           <a:stretch>
@@ -3824,8 +3687,8 @@
         </p:blipFill>
         <p:spPr>
           <a:xfrm>
-            <a:off x="3021356" y="762000"/>
-            <a:ext cx="7673288" cy="6858000"/>
+            <a:off x="2076541" y="185280"/>
+            <a:ext cx="6733245" cy="6017837"/>
           </a:xfrm>
           <a:prstGeom prst="rect">
             <a:avLst/>
@@ -3844,7 +3707,7 @@
           <p:nvPr/>
         </p:nvPicPr>
         <p:blipFill>
-          <a:blip r:embed="rId9">
+          <a:blip r:embed="rId8">
             <a:extLst/>
           </a:blip>
           <a:stretch>
@@ -3853,8 +3716,8 @@
         </p:blipFill>
         <p:spPr>
           <a:xfrm>
-            <a:off x="2918512" y="904875"/>
-            <a:ext cx="7673288" cy="6858000"/>
+            <a:off x="2362805" y="144894"/>
+            <a:ext cx="6733245" cy="6017837"/>
           </a:xfrm>
           <a:prstGeom prst="rect">
             <a:avLst/>
@@ -3866,7 +3729,49 @@
       </p:pic>
       <p:pic>
         <p:nvPicPr>
-          <p:cNvPr id="126" name="AllHyperParams.png" descr="AllHyperParams.png"/>
+          <p:cNvPr id="5" name="Picture 4">
+            <a:extLst>
+              <a:ext uri="{FF2B5EF4-FFF2-40B4-BE49-F238E27FC236}">
+                <a16:creationId xmlns:a16="http://schemas.microsoft.com/office/drawing/2014/main" id="{42AA7900-4A72-487D-B6CA-426464441747}"/>
+              </a:ext>
+            </a:extLst>
+          </p:cNvPr>
+          <p:cNvPicPr>
+            <a:picLocks noChangeAspect="1"/>
+          </p:cNvPicPr>
+          <p:nvPr/>
+        </p:nvPicPr>
+        <p:blipFill>
+          <a:blip r:embed="rId9">
+            <a:extLst>
+              <a:ext uri="{28A0092B-C50C-407E-A947-70E740481C1C}">
+                <a14:useLocalDpi xmlns:a14="http://schemas.microsoft.com/office/drawing/2010/main" val="0"/>
+              </a:ext>
+            </a:extLst>
+          </a:blip>
+          <a:stretch>
+            <a:fillRect/>
+          </a:stretch>
+        </p:blipFill>
+        <p:spPr>
+          <a:xfrm>
+            <a:off x="6625950" y="996769"/>
+            <a:ext cx="5135231" cy="3835376"/>
+          </a:xfrm>
+          <a:prstGeom prst="rect">
+            <a:avLst/>
+          </a:prstGeom>
+        </p:spPr>
+      </p:pic>
+      <p:pic>
+        <p:nvPicPr>
+          <p:cNvPr id="3" name="Picture 2">
+            <a:extLst>
+              <a:ext uri="{FF2B5EF4-FFF2-40B4-BE49-F238E27FC236}">
+                <a16:creationId xmlns:a16="http://schemas.microsoft.com/office/drawing/2014/main" id="{F9F12CDF-A650-4B37-83CC-4863F2D853A9}"/>
+              </a:ext>
+            </a:extLst>
+          </p:cNvPr>
           <p:cNvPicPr>
             <a:picLocks noChangeAspect="1"/>
           </p:cNvPicPr>
@@ -3874,7 +3779,11 @@
         </p:nvPicPr>
         <p:blipFill>
           <a:blip r:embed="rId10">
-            <a:extLst/>
+            <a:extLst>
+              <a:ext uri="{28A0092B-C50C-407E-A947-70E740481C1C}">
+                <a14:useLocalDpi xmlns:a14="http://schemas.microsoft.com/office/drawing/2010/main" val="0"/>
+              </a:ext>
+            </a:extLst>
           </a:blip>
           <a:stretch>
             <a:fillRect/>
@@ -3882,15 +3791,12 @@
         </p:blipFill>
         <p:spPr>
           <a:xfrm>
-            <a:off x="3379452" y="805584"/>
-            <a:ext cx="7679732" cy="6858000"/>
+            <a:off x="671063" y="996769"/>
+            <a:ext cx="5135231" cy="3835376"/>
           </a:xfrm>
           <a:prstGeom prst="rect">
             <a:avLst/>
           </a:prstGeom>
-          <a:ln w="12700">
-            <a:miter lim="400000"/>
-          </a:ln>
         </p:spPr>
       </p:pic>
       <p:pic>
@@ -3911,8 +3817,8 @@
         </p:blipFill>
         <p:spPr>
           <a:xfrm>
-            <a:off x="3242732" y="1196975"/>
-            <a:ext cx="6895206" cy="6858000"/>
+            <a:off x="2934849" y="185280"/>
+            <a:ext cx="6050485" cy="6017837"/>
           </a:xfrm>
           <a:prstGeom prst="rect">
             <a:avLst/>
@@ -3922,84 +3828,1041 @@
           </a:ln>
         </p:spPr>
       </p:pic>
-      <p:pic>
-        <p:nvPicPr>
-          <p:cNvPr id="3" name="Picture 2">
-            <a:extLst>
-              <a:ext uri="{FF2B5EF4-FFF2-40B4-BE49-F238E27FC236}">
-                <a16:creationId xmlns:a16="http://schemas.microsoft.com/office/drawing/2014/main" id="{F9F12CDF-A650-4B37-83CC-4863F2D853A9}"/>
-              </a:ext>
-            </a:extLst>
-          </p:cNvPr>
-          <p:cNvPicPr>
-            <a:picLocks noChangeAspect="1"/>
-          </p:cNvPicPr>
-          <p:nvPr/>
-        </p:nvPicPr>
-        <p:blipFill>
-          <a:blip r:embed="rId12">
-            <a:extLst>
-              <a:ext uri="{28A0092B-C50C-407E-A947-70E740481C1C}">
-                <a14:useLocalDpi xmlns:a14="http://schemas.microsoft.com/office/drawing/2010/main" val="0"/>
-              </a:ext>
-            </a:extLst>
-          </a:blip>
-          <a:stretch>
-            <a:fillRect/>
-          </a:stretch>
-        </p:blipFill>
-        <p:spPr>
-          <a:xfrm>
-            <a:off x="3153118" y="1531257"/>
-            <a:ext cx="5852172" cy="4370841"/>
-          </a:xfrm>
-          <a:prstGeom prst="rect">
-            <a:avLst/>
-          </a:prstGeom>
-        </p:spPr>
-      </p:pic>
-      <p:pic>
-        <p:nvPicPr>
-          <p:cNvPr id="5" name="Picture 4">
-            <a:extLst>
-              <a:ext uri="{FF2B5EF4-FFF2-40B4-BE49-F238E27FC236}">
-                <a16:creationId xmlns:a16="http://schemas.microsoft.com/office/drawing/2014/main" id="{42AA7900-4A72-487D-B6CA-426464441747}"/>
-              </a:ext>
-            </a:extLst>
-          </p:cNvPr>
-          <p:cNvPicPr>
-            <a:picLocks noChangeAspect="1"/>
-          </p:cNvPicPr>
-          <p:nvPr/>
-        </p:nvPicPr>
-        <p:blipFill>
-          <a:blip r:embed="rId13">
-            <a:extLst>
-              <a:ext uri="{28A0092B-C50C-407E-A947-70E740481C1C}">
-                <a14:useLocalDpi xmlns:a14="http://schemas.microsoft.com/office/drawing/2010/main" val="0"/>
-              </a:ext>
-            </a:extLst>
-          </a:blip>
-          <a:stretch>
-            <a:fillRect/>
-          </a:stretch>
-        </p:blipFill>
-        <p:spPr>
-          <a:xfrm>
-            <a:off x="3531072" y="1194707"/>
-            <a:ext cx="5852172" cy="4370841"/>
-          </a:xfrm>
-          <a:prstGeom prst="rect">
-            <a:avLst/>
-          </a:prstGeom>
-        </p:spPr>
-      </p:pic>
     </p:spTree>
   </p:cSld>
   <p:clrMapOvr>
     <a:masterClrMapping/>
   </p:clrMapOvr>
   <p:transition spd="med"/>
+  <p:timing>
+    <p:tnLst>
+      <p:par>
+        <p:cTn id="1" dur="indefinite" restart="never" nodeType="tmRoot">
+          <p:childTnLst>
+            <p:seq concurrent="1" nextAc="seek">
+              <p:cTn id="2" dur="indefinite" nodeType="mainSeq">
+                <p:childTnLst>
+                  <p:par>
+                    <p:cTn id="3" fill="hold">
+                      <p:stCondLst>
+                        <p:cond delay="indefinite"/>
+                      </p:stCondLst>
+                      <p:childTnLst>
+                        <p:par>
+                          <p:cTn id="4" fill="hold">
+                            <p:stCondLst>
+                              <p:cond delay="0"/>
+                            </p:stCondLst>
+                            <p:childTnLst>
+                              <p:par>
+                                <p:cTn id="5" presetID="10" presetClass="exit" presetSubtype="0" fill="hold" grpId="1" nodeType="clickEffect">
+                                  <p:stCondLst>
+                                    <p:cond delay="0"/>
+                                  </p:stCondLst>
+                                  <p:childTnLst>
+                                    <p:animEffect transition="out" filter="fade">
+                                      <p:cBhvr>
+                                        <p:cTn id="6" dur="500"/>
+                                        <p:tgtEl>
+                                          <p:spTgt spid="112"/>
+                                        </p:tgtEl>
+                                      </p:cBhvr>
+                                    </p:animEffect>
+                                    <p:set>
+                                      <p:cBhvr>
+                                        <p:cTn id="7" dur="1" fill="hold">
+                                          <p:stCondLst>
+                                            <p:cond delay="499"/>
+                                          </p:stCondLst>
+                                        </p:cTn>
+                                        <p:tgtEl>
+                                          <p:spTgt spid="112"/>
+                                        </p:tgtEl>
+                                        <p:attrNameLst>
+                                          <p:attrName>style.visibility</p:attrName>
+                                        </p:attrNameLst>
+                                      </p:cBhvr>
+                                      <p:to>
+                                        <p:strVal val="hidden"/>
+                                      </p:to>
+                                    </p:set>
+                                  </p:childTnLst>
+                                </p:cTn>
+                              </p:par>
+                            </p:childTnLst>
+                          </p:cTn>
+                        </p:par>
+                        <p:par>
+                          <p:cTn id="8" fill="hold">
+                            <p:stCondLst>
+                              <p:cond delay="500"/>
+                            </p:stCondLst>
+                            <p:childTnLst>
+                              <p:par>
+                                <p:cTn id="9" presetID="10" presetClass="entr" presetSubtype="0" fill="hold" nodeType="afterEffect">
+                                  <p:stCondLst>
+                                    <p:cond delay="0"/>
+                                  </p:stCondLst>
+                                  <p:childTnLst>
+                                    <p:set>
+                                      <p:cBhvr>
+                                        <p:cTn id="10" dur="1" fill="hold">
+                                          <p:stCondLst>
+                                            <p:cond delay="0"/>
+                                          </p:stCondLst>
+                                        </p:cTn>
+                                        <p:tgtEl>
+                                          <p:spTgt spid="119"/>
+                                        </p:tgtEl>
+                                        <p:attrNameLst>
+                                          <p:attrName>style.visibility</p:attrName>
+                                        </p:attrNameLst>
+                                      </p:cBhvr>
+                                      <p:to>
+                                        <p:strVal val="visible"/>
+                                      </p:to>
+                                    </p:set>
+                                    <p:animEffect transition="in" filter="fade">
+                                      <p:cBhvr>
+                                        <p:cTn id="11" dur="500"/>
+                                        <p:tgtEl>
+                                          <p:spTgt spid="119"/>
+                                        </p:tgtEl>
+                                      </p:cBhvr>
+                                    </p:animEffect>
+                                  </p:childTnLst>
+                                </p:cTn>
+                              </p:par>
+                            </p:childTnLst>
+                          </p:cTn>
+                        </p:par>
+                      </p:childTnLst>
+                    </p:cTn>
+                  </p:par>
+                  <p:par>
+                    <p:cTn id="12" fill="hold">
+                      <p:stCondLst>
+                        <p:cond delay="indefinite"/>
+                      </p:stCondLst>
+                      <p:childTnLst>
+                        <p:par>
+                          <p:cTn id="13" fill="hold">
+                            <p:stCondLst>
+                              <p:cond delay="0"/>
+                            </p:stCondLst>
+                            <p:childTnLst>
+                              <p:par>
+                                <p:cTn id="14" presetID="10" presetClass="exit" presetSubtype="0" fill="hold" nodeType="clickEffect">
+                                  <p:stCondLst>
+                                    <p:cond delay="0"/>
+                                  </p:stCondLst>
+                                  <p:childTnLst>
+                                    <p:animEffect transition="out" filter="fade">
+                                      <p:cBhvr>
+                                        <p:cTn id="15" dur="500"/>
+                                        <p:tgtEl>
+                                          <p:spTgt spid="119"/>
+                                        </p:tgtEl>
+                                      </p:cBhvr>
+                                    </p:animEffect>
+                                    <p:set>
+                                      <p:cBhvr>
+                                        <p:cTn id="16" dur="1" fill="hold">
+                                          <p:stCondLst>
+                                            <p:cond delay="499"/>
+                                          </p:stCondLst>
+                                        </p:cTn>
+                                        <p:tgtEl>
+                                          <p:spTgt spid="119"/>
+                                        </p:tgtEl>
+                                        <p:attrNameLst>
+                                          <p:attrName>style.visibility</p:attrName>
+                                        </p:attrNameLst>
+                                      </p:cBhvr>
+                                      <p:to>
+                                        <p:strVal val="hidden"/>
+                                      </p:to>
+                                    </p:set>
+                                  </p:childTnLst>
+                                </p:cTn>
+                              </p:par>
+                            </p:childTnLst>
+                          </p:cTn>
+                        </p:par>
+                        <p:par>
+                          <p:cTn id="17" fill="hold">
+                            <p:stCondLst>
+                              <p:cond delay="500"/>
+                            </p:stCondLst>
+                            <p:childTnLst>
+                              <p:par>
+                                <p:cTn id="18" presetID="10" presetClass="entr" presetSubtype="0" fill="hold" nodeType="afterEffect">
+                                  <p:stCondLst>
+                                    <p:cond delay="0"/>
+                                  </p:stCondLst>
+                                  <p:childTnLst>
+                                    <p:set>
+                                      <p:cBhvr>
+                                        <p:cTn id="19" dur="1" fill="hold">
+                                          <p:stCondLst>
+                                            <p:cond delay="0"/>
+                                          </p:stCondLst>
+                                        </p:cTn>
+                                        <p:tgtEl>
+                                          <p:spTgt spid="120"/>
+                                        </p:tgtEl>
+                                        <p:attrNameLst>
+                                          <p:attrName>style.visibility</p:attrName>
+                                        </p:attrNameLst>
+                                      </p:cBhvr>
+                                      <p:to>
+                                        <p:strVal val="visible"/>
+                                      </p:to>
+                                    </p:set>
+                                    <p:animEffect transition="in" filter="fade">
+                                      <p:cBhvr>
+                                        <p:cTn id="20" dur="500"/>
+                                        <p:tgtEl>
+                                          <p:spTgt spid="120"/>
+                                        </p:tgtEl>
+                                      </p:cBhvr>
+                                    </p:animEffect>
+                                  </p:childTnLst>
+                                </p:cTn>
+                              </p:par>
+                            </p:childTnLst>
+                          </p:cTn>
+                        </p:par>
+                      </p:childTnLst>
+                    </p:cTn>
+                  </p:par>
+                  <p:par>
+                    <p:cTn id="21" fill="hold">
+                      <p:stCondLst>
+                        <p:cond delay="indefinite"/>
+                      </p:stCondLst>
+                      <p:childTnLst>
+                        <p:par>
+                          <p:cTn id="22" fill="hold">
+                            <p:stCondLst>
+                              <p:cond delay="0"/>
+                            </p:stCondLst>
+                            <p:childTnLst>
+                              <p:par>
+                                <p:cTn id="23" presetID="10" presetClass="exit" presetSubtype="0" fill="hold" nodeType="clickEffect">
+                                  <p:stCondLst>
+                                    <p:cond delay="0"/>
+                                  </p:stCondLst>
+                                  <p:childTnLst>
+                                    <p:animEffect transition="out" filter="fade">
+                                      <p:cBhvr>
+                                        <p:cTn id="24" dur="500"/>
+                                        <p:tgtEl>
+                                          <p:spTgt spid="120"/>
+                                        </p:tgtEl>
+                                      </p:cBhvr>
+                                    </p:animEffect>
+                                    <p:set>
+                                      <p:cBhvr>
+                                        <p:cTn id="25" dur="1" fill="hold">
+                                          <p:stCondLst>
+                                            <p:cond delay="499"/>
+                                          </p:stCondLst>
+                                        </p:cTn>
+                                        <p:tgtEl>
+                                          <p:spTgt spid="120"/>
+                                        </p:tgtEl>
+                                        <p:attrNameLst>
+                                          <p:attrName>style.visibility</p:attrName>
+                                        </p:attrNameLst>
+                                      </p:cBhvr>
+                                      <p:to>
+                                        <p:strVal val="hidden"/>
+                                      </p:to>
+                                    </p:set>
+                                  </p:childTnLst>
+                                </p:cTn>
+                              </p:par>
+                            </p:childTnLst>
+                          </p:cTn>
+                        </p:par>
+                        <p:par>
+                          <p:cTn id="26" fill="hold">
+                            <p:stCondLst>
+                              <p:cond delay="500"/>
+                            </p:stCondLst>
+                            <p:childTnLst>
+                              <p:par>
+                                <p:cTn id="27" presetID="10" presetClass="entr" presetSubtype="0" fill="hold" nodeType="afterEffect">
+                                  <p:stCondLst>
+                                    <p:cond delay="0"/>
+                                  </p:stCondLst>
+                                  <p:childTnLst>
+                                    <p:set>
+                                      <p:cBhvr>
+                                        <p:cTn id="28" dur="1" fill="hold">
+                                          <p:stCondLst>
+                                            <p:cond delay="0"/>
+                                          </p:stCondLst>
+                                        </p:cTn>
+                                        <p:tgtEl>
+                                          <p:spTgt spid="121"/>
+                                        </p:tgtEl>
+                                        <p:attrNameLst>
+                                          <p:attrName>style.visibility</p:attrName>
+                                        </p:attrNameLst>
+                                      </p:cBhvr>
+                                      <p:to>
+                                        <p:strVal val="visible"/>
+                                      </p:to>
+                                    </p:set>
+                                    <p:animEffect transition="in" filter="fade">
+                                      <p:cBhvr>
+                                        <p:cTn id="29" dur="500"/>
+                                        <p:tgtEl>
+                                          <p:spTgt spid="121"/>
+                                        </p:tgtEl>
+                                      </p:cBhvr>
+                                    </p:animEffect>
+                                  </p:childTnLst>
+                                </p:cTn>
+                              </p:par>
+                            </p:childTnLst>
+                          </p:cTn>
+                        </p:par>
+                      </p:childTnLst>
+                    </p:cTn>
+                  </p:par>
+                  <p:par>
+                    <p:cTn id="30" fill="hold">
+                      <p:stCondLst>
+                        <p:cond delay="indefinite"/>
+                      </p:stCondLst>
+                      <p:childTnLst>
+                        <p:par>
+                          <p:cTn id="31" fill="hold">
+                            <p:stCondLst>
+                              <p:cond delay="0"/>
+                            </p:stCondLst>
+                            <p:childTnLst>
+                              <p:par>
+                                <p:cTn id="32" presetID="10" presetClass="exit" presetSubtype="0" fill="hold" nodeType="clickEffect">
+                                  <p:stCondLst>
+                                    <p:cond delay="0"/>
+                                  </p:stCondLst>
+                                  <p:childTnLst>
+                                    <p:animEffect transition="out" filter="fade">
+                                      <p:cBhvr>
+                                        <p:cTn id="33" dur="500"/>
+                                        <p:tgtEl>
+                                          <p:spTgt spid="121"/>
+                                        </p:tgtEl>
+                                      </p:cBhvr>
+                                    </p:animEffect>
+                                    <p:set>
+                                      <p:cBhvr>
+                                        <p:cTn id="34" dur="1" fill="hold">
+                                          <p:stCondLst>
+                                            <p:cond delay="499"/>
+                                          </p:stCondLst>
+                                        </p:cTn>
+                                        <p:tgtEl>
+                                          <p:spTgt spid="121"/>
+                                        </p:tgtEl>
+                                        <p:attrNameLst>
+                                          <p:attrName>style.visibility</p:attrName>
+                                        </p:attrNameLst>
+                                      </p:cBhvr>
+                                      <p:to>
+                                        <p:strVal val="hidden"/>
+                                      </p:to>
+                                    </p:set>
+                                  </p:childTnLst>
+                                </p:cTn>
+                              </p:par>
+                            </p:childTnLst>
+                          </p:cTn>
+                        </p:par>
+                        <p:par>
+                          <p:cTn id="35" fill="hold">
+                            <p:stCondLst>
+                              <p:cond delay="500"/>
+                            </p:stCondLst>
+                            <p:childTnLst>
+                              <p:par>
+                                <p:cTn id="36" presetID="10" presetClass="entr" presetSubtype="0" fill="hold" nodeType="afterEffect">
+                                  <p:stCondLst>
+                                    <p:cond delay="0"/>
+                                  </p:stCondLst>
+                                  <p:childTnLst>
+                                    <p:set>
+                                      <p:cBhvr>
+                                        <p:cTn id="37" dur="1" fill="hold">
+                                          <p:stCondLst>
+                                            <p:cond delay="0"/>
+                                          </p:stCondLst>
+                                        </p:cTn>
+                                        <p:tgtEl>
+                                          <p:spTgt spid="122"/>
+                                        </p:tgtEl>
+                                        <p:attrNameLst>
+                                          <p:attrName>style.visibility</p:attrName>
+                                        </p:attrNameLst>
+                                      </p:cBhvr>
+                                      <p:to>
+                                        <p:strVal val="visible"/>
+                                      </p:to>
+                                    </p:set>
+                                    <p:animEffect transition="in" filter="fade">
+                                      <p:cBhvr>
+                                        <p:cTn id="38" dur="500"/>
+                                        <p:tgtEl>
+                                          <p:spTgt spid="122"/>
+                                        </p:tgtEl>
+                                      </p:cBhvr>
+                                    </p:animEffect>
+                                  </p:childTnLst>
+                                </p:cTn>
+                              </p:par>
+                            </p:childTnLst>
+                          </p:cTn>
+                        </p:par>
+                      </p:childTnLst>
+                    </p:cTn>
+                  </p:par>
+                  <p:par>
+                    <p:cTn id="39" fill="hold">
+                      <p:stCondLst>
+                        <p:cond delay="indefinite"/>
+                      </p:stCondLst>
+                      <p:childTnLst>
+                        <p:par>
+                          <p:cTn id="40" fill="hold">
+                            <p:stCondLst>
+                              <p:cond delay="0"/>
+                            </p:stCondLst>
+                            <p:childTnLst>
+                              <p:par>
+                                <p:cTn id="41" presetID="10" presetClass="exit" presetSubtype="0" fill="hold" nodeType="clickEffect">
+                                  <p:stCondLst>
+                                    <p:cond delay="0"/>
+                                  </p:stCondLst>
+                                  <p:childTnLst>
+                                    <p:animEffect transition="out" filter="fade">
+                                      <p:cBhvr>
+                                        <p:cTn id="42" dur="500"/>
+                                        <p:tgtEl>
+                                          <p:spTgt spid="122"/>
+                                        </p:tgtEl>
+                                      </p:cBhvr>
+                                    </p:animEffect>
+                                    <p:set>
+                                      <p:cBhvr>
+                                        <p:cTn id="43" dur="1" fill="hold">
+                                          <p:stCondLst>
+                                            <p:cond delay="499"/>
+                                          </p:stCondLst>
+                                        </p:cTn>
+                                        <p:tgtEl>
+                                          <p:spTgt spid="122"/>
+                                        </p:tgtEl>
+                                        <p:attrNameLst>
+                                          <p:attrName>style.visibility</p:attrName>
+                                        </p:attrNameLst>
+                                      </p:cBhvr>
+                                      <p:to>
+                                        <p:strVal val="hidden"/>
+                                      </p:to>
+                                    </p:set>
+                                  </p:childTnLst>
+                                </p:cTn>
+                              </p:par>
+                            </p:childTnLst>
+                          </p:cTn>
+                        </p:par>
+                        <p:par>
+                          <p:cTn id="44" fill="hold">
+                            <p:stCondLst>
+                              <p:cond delay="500"/>
+                            </p:stCondLst>
+                            <p:childTnLst>
+                              <p:par>
+                                <p:cTn id="45" presetID="10" presetClass="entr" presetSubtype="0" fill="hold" nodeType="afterEffect">
+                                  <p:stCondLst>
+                                    <p:cond delay="0"/>
+                                  </p:stCondLst>
+                                  <p:childTnLst>
+                                    <p:set>
+                                      <p:cBhvr>
+                                        <p:cTn id="46" dur="1" fill="hold">
+                                          <p:stCondLst>
+                                            <p:cond delay="0"/>
+                                          </p:stCondLst>
+                                        </p:cTn>
+                                        <p:tgtEl>
+                                          <p:spTgt spid="123"/>
+                                        </p:tgtEl>
+                                        <p:attrNameLst>
+                                          <p:attrName>style.visibility</p:attrName>
+                                        </p:attrNameLst>
+                                      </p:cBhvr>
+                                      <p:to>
+                                        <p:strVal val="visible"/>
+                                      </p:to>
+                                    </p:set>
+                                    <p:animEffect transition="in" filter="fade">
+                                      <p:cBhvr>
+                                        <p:cTn id="47" dur="500"/>
+                                        <p:tgtEl>
+                                          <p:spTgt spid="123"/>
+                                        </p:tgtEl>
+                                      </p:cBhvr>
+                                    </p:animEffect>
+                                  </p:childTnLst>
+                                </p:cTn>
+                              </p:par>
+                            </p:childTnLst>
+                          </p:cTn>
+                        </p:par>
+                      </p:childTnLst>
+                    </p:cTn>
+                  </p:par>
+                  <p:par>
+                    <p:cTn id="48" fill="hold">
+                      <p:stCondLst>
+                        <p:cond delay="indefinite"/>
+                      </p:stCondLst>
+                      <p:childTnLst>
+                        <p:par>
+                          <p:cTn id="49" fill="hold">
+                            <p:stCondLst>
+                              <p:cond delay="0"/>
+                            </p:stCondLst>
+                            <p:childTnLst>
+                              <p:par>
+                                <p:cTn id="50" presetID="10" presetClass="exit" presetSubtype="0" fill="hold" nodeType="clickEffect">
+                                  <p:stCondLst>
+                                    <p:cond delay="0"/>
+                                  </p:stCondLst>
+                                  <p:childTnLst>
+                                    <p:animEffect transition="out" filter="fade">
+                                      <p:cBhvr>
+                                        <p:cTn id="51" dur="500"/>
+                                        <p:tgtEl>
+                                          <p:spTgt spid="123"/>
+                                        </p:tgtEl>
+                                      </p:cBhvr>
+                                    </p:animEffect>
+                                    <p:set>
+                                      <p:cBhvr>
+                                        <p:cTn id="52" dur="1" fill="hold">
+                                          <p:stCondLst>
+                                            <p:cond delay="499"/>
+                                          </p:stCondLst>
+                                        </p:cTn>
+                                        <p:tgtEl>
+                                          <p:spTgt spid="123"/>
+                                        </p:tgtEl>
+                                        <p:attrNameLst>
+                                          <p:attrName>style.visibility</p:attrName>
+                                        </p:attrNameLst>
+                                      </p:cBhvr>
+                                      <p:to>
+                                        <p:strVal val="hidden"/>
+                                      </p:to>
+                                    </p:set>
+                                  </p:childTnLst>
+                                </p:cTn>
+                              </p:par>
+                            </p:childTnLst>
+                          </p:cTn>
+                        </p:par>
+                        <p:par>
+                          <p:cTn id="53" fill="hold">
+                            <p:stCondLst>
+                              <p:cond delay="500"/>
+                            </p:stCondLst>
+                            <p:childTnLst>
+                              <p:par>
+                                <p:cTn id="54" presetID="10" presetClass="entr" presetSubtype="0" fill="hold" nodeType="afterEffect">
+                                  <p:stCondLst>
+                                    <p:cond delay="0"/>
+                                  </p:stCondLst>
+                                  <p:childTnLst>
+                                    <p:set>
+                                      <p:cBhvr>
+                                        <p:cTn id="55" dur="1" fill="hold">
+                                          <p:stCondLst>
+                                            <p:cond delay="0"/>
+                                          </p:stCondLst>
+                                        </p:cTn>
+                                        <p:tgtEl>
+                                          <p:spTgt spid="124"/>
+                                        </p:tgtEl>
+                                        <p:attrNameLst>
+                                          <p:attrName>style.visibility</p:attrName>
+                                        </p:attrNameLst>
+                                      </p:cBhvr>
+                                      <p:to>
+                                        <p:strVal val="visible"/>
+                                      </p:to>
+                                    </p:set>
+                                    <p:animEffect transition="in" filter="fade">
+                                      <p:cBhvr>
+                                        <p:cTn id="56" dur="500"/>
+                                        <p:tgtEl>
+                                          <p:spTgt spid="124"/>
+                                        </p:tgtEl>
+                                      </p:cBhvr>
+                                    </p:animEffect>
+                                  </p:childTnLst>
+                                </p:cTn>
+                              </p:par>
+                            </p:childTnLst>
+                          </p:cTn>
+                        </p:par>
+                      </p:childTnLst>
+                    </p:cTn>
+                  </p:par>
+                  <p:par>
+                    <p:cTn id="57" fill="hold">
+                      <p:stCondLst>
+                        <p:cond delay="indefinite"/>
+                      </p:stCondLst>
+                      <p:childTnLst>
+                        <p:par>
+                          <p:cTn id="58" fill="hold">
+                            <p:stCondLst>
+                              <p:cond delay="0"/>
+                            </p:stCondLst>
+                            <p:childTnLst>
+                              <p:par>
+                                <p:cTn id="59" presetID="10" presetClass="exit" presetSubtype="0" fill="hold" nodeType="clickEffect">
+                                  <p:stCondLst>
+                                    <p:cond delay="0"/>
+                                  </p:stCondLst>
+                                  <p:childTnLst>
+                                    <p:animEffect transition="out" filter="fade">
+                                      <p:cBhvr>
+                                        <p:cTn id="60" dur="500"/>
+                                        <p:tgtEl>
+                                          <p:spTgt spid="124"/>
+                                        </p:tgtEl>
+                                      </p:cBhvr>
+                                    </p:animEffect>
+                                    <p:set>
+                                      <p:cBhvr>
+                                        <p:cTn id="61" dur="1" fill="hold">
+                                          <p:stCondLst>
+                                            <p:cond delay="499"/>
+                                          </p:stCondLst>
+                                        </p:cTn>
+                                        <p:tgtEl>
+                                          <p:spTgt spid="124"/>
+                                        </p:tgtEl>
+                                        <p:attrNameLst>
+                                          <p:attrName>style.visibility</p:attrName>
+                                        </p:attrNameLst>
+                                      </p:cBhvr>
+                                      <p:to>
+                                        <p:strVal val="hidden"/>
+                                      </p:to>
+                                    </p:set>
+                                  </p:childTnLst>
+                                </p:cTn>
+                              </p:par>
+                            </p:childTnLst>
+                          </p:cTn>
+                        </p:par>
+                        <p:par>
+                          <p:cTn id="62" fill="hold">
+                            <p:stCondLst>
+                              <p:cond delay="500"/>
+                            </p:stCondLst>
+                            <p:childTnLst>
+                              <p:par>
+                                <p:cTn id="63" presetID="10" presetClass="entr" presetSubtype="0" fill="hold" nodeType="afterEffect">
+                                  <p:stCondLst>
+                                    <p:cond delay="0"/>
+                                  </p:stCondLst>
+                                  <p:childTnLst>
+                                    <p:set>
+                                      <p:cBhvr>
+                                        <p:cTn id="64" dur="1" fill="hold">
+                                          <p:stCondLst>
+                                            <p:cond delay="0"/>
+                                          </p:stCondLst>
+                                        </p:cTn>
+                                        <p:tgtEl>
+                                          <p:spTgt spid="125"/>
+                                        </p:tgtEl>
+                                        <p:attrNameLst>
+                                          <p:attrName>style.visibility</p:attrName>
+                                        </p:attrNameLst>
+                                      </p:cBhvr>
+                                      <p:to>
+                                        <p:strVal val="visible"/>
+                                      </p:to>
+                                    </p:set>
+                                    <p:animEffect transition="in" filter="fade">
+                                      <p:cBhvr>
+                                        <p:cTn id="65" dur="500"/>
+                                        <p:tgtEl>
+                                          <p:spTgt spid="125"/>
+                                        </p:tgtEl>
+                                      </p:cBhvr>
+                                    </p:animEffect>
+                                  </p:childTnLst>
+                                </p:cTn>
+                              </p:par>
+                            </p:childTnLst>
+                          </p:cTn>
+                        </p:par>
+                      </p:childTnLst>
+                    </p:cTn>
+                  </p:par>
+                  <p:par>
+                    <p:cTn id="66" fill="hold">
+                      <p:stCondLst>
+                        <p:cond delay="indefinite"/>
+                      </p:stCondLst>
+                      <p:childTnLst>
+                        <p:par>
+                          <p:cTn id="67" fill="hold">
+                            <p:stCondLst>
+                              <p:cond delay="0"/>
+                            </p:stCondLst>
+                            <p:childTnLst>
+                              <p:par>
+                                <p:cTn id="68" presetID="10" presetClass="exit" presetSubtype="0" fill="hold" nodeType="clickEffect">
+                                  <p:stCondLst>
+                                    <p:cond delay="0"/>
+                                  </p:stCondLst>
+                                  <p:childTnLst>
+                                    <p:animEffect transition="out" filter="fade">
+                                      <p:cBhvr>
+                                        <p:cTn id="69" dur="500"/>
+                                        <p:tgtEl>
+                                          <p:spTgt spid="125"/>
+                                        </p:tgtEl>
+                                      </p:cBhvr>
+                                    </p:animEffect>
+                                    <p:set>
+                                      <p:cBhvr>
+                                        <p:cTn id="70" dur="1" fill="hold">
+                                          <p:stCondLst>
+                                            <p:cond delay="499"/>
+                                          </p:stCondLst>
+                                        </p:cTn>
+                                        <p:tgtEl>
+                                          <p:spTgt spid="125"/>
+                                        </p:tgtEl>
+                                        <p:attrNameLst>
+                                          <p:attrName>style.visibility</p:attrName>
+                                        </p:attrNameLst>
+                                      </p:cBhvr>
+                                      <p:to>
+                                        <p:strVal val="hidden"/>
+                                      </p:to>
+                                    </p:set>
+                                  </p:childTnLst>
+                                </p:cTn>
+                              </p:par>
+                            </p:childTnLst>
+                          </p:cTn>
+                        </p:par>
+                        <p:par>
+                          <p:cTn id="71" fill="hold">
+                            <p:stCondLst>
+                              <p:cond delay="500"/>
+                            </p:stCondLst>
+                            <p:childTnLst>
+                              <p:par>
+                                <p:cTn id="72" presetID="10" presetClass="entr" presetSubtype="0" fill="hold" nodeType="afterEffect">
+                                  <p:stCondLst>
+                                    <p:cond delay="0"/>
+                                  </p:stCondLst>
+                                  <p:childTnLst>
+                                    <p:set>
+                                      <p:cBhvr>
+                                        <p:cTn id="73" dur="1" fill="hold">
+                                          <p:stCondLst>
+                                            <p:cond delay="0"/>
+                                          </p:stCondLst>
+                                        </p:cTn>
+                                        <p:tgtEl>
+                                          <p:spTgt spid="3"/>
+                                        </p:tgtEl>
+                                        <p:attrNameLst>
+                                          <p:attrName>style.visibility</p:attrName>
+                                        </p:attrNameLst>
+                                      </p:cBhvr>
+                                      <p:to>
+                                        <p:strVal val="visible"/>
+                                      </p:to>
+                                    </p:set>
+                                    <p:animEffect transition="in" filter="fade">
+                                      <p:cBhvr>
+                                        <p:cTn id="74" dur="500"/>
+                                        <p:tgtEl>
+                                          <p:spTgt spid="3"/>
+                                        </p:tgtEl>
+                                      </p:cBhvr>
+                                    </p:animEffect>
+                                  </p:childTnLst>
+                                </p:cTn>
+                              </p:par>
+                              <p:par>
+                                <p:cTn id="75" presetID="10" presetClass="entr" presetSubtype="0" fill="hold" nodeType="withEffect">
+                                  <p:stCondLst>
+                                    <p:cond delay="0"/>
+                                  </p:stCondLst>
+                                  <p:childTnLst>
+                                    <p:set>
+                                      <p:cBhvr>
+                                        <p:cTn id="76" dur="1" fill="hold">
+                                          <p:stCondLst>
+                                            <p:cond delay="0"/>
+                                          </p:stCondLst>
+                                        </p:cTn>
+                                        <p:tgtEl>
+                                          <p:spTgt spid="5"/>
+                                        </p:tgtEl>
+                                        <p:attrNameLst>
+                                          <p:attrName>style.visibility</p:attrName>
+                                        </p:attrNameLst>
+                                      </p:cBhvr>
+                                      <p:to>
+                                        <p:strVal val="visible"/>
+                                      </p:to>
+                                    </p:set>
+                                    <p:animEffect transition="in" filter="fade">
+                                      <p:cBhvr>
+                                        <p:cTn id="77" dur="500"/>
+                                        <p:tgtEl>
+                                          <p:spTgt spid="5"/>
+                                        </p:tgtEl>
+                                      </p:cBhvr>
+                                    </p:animEffect>
+                                  </p:childTnLst>
+                                </p:cTn>
+                              </p:par>
+                            </p:childTnLst>
+                          </p:cTn>
+                        </p:par>
+                      </p:childTnLst>
+                    </p:cTn>
+                  </p:par>
+                  <p:par>
+                    <p:cTn id="78" fill="hold">
+                      <p:stCondLst>
+                        <p:cond delay="indefinite"/>
+                      </p:stCondLst>
+                      <p:childTnLst>
+                        <p:par>
+                          <p:cTn id="79" fill="hold">
+                            <p:stCondLst>
+                              <p:cond delay="0"/>
+                            </p:stCondLst>
+                            <p:childTnLst>
+                              <p:par>
+                                <p:cTn id="80" presetID="10" presetClass="exit" presetSubtype="0" fill="hold" nodeType="clickEffect">
+                                  <p:stCondLst>
+                                    <p:cond delay="0"/>
+                                  </p:stCondLst>
+                                  <p:childTnLst>
+                                    <p:animEffect transition="out" filter="fade">
+                                      <p:cBhvr>
+                                        <p:cTn id="81" dur="500"/>
+                                        <p:tgtEl>
+                                          <p:spTgt spid="3"/>
+                                        </p:tgtEl>
+                                      </p:cBhvr>
+                                    </p:animEffect>
+                                    <p:set>
+                                      <p:cBhvr>
+                                        <p:cTn id="82" dur="1" fill="hold">
+                                          <p:stCondLst>
+                                            <p:cond delay="499"/>
+                                          </p:stCondLst>
+                                        </p:cTn>
+                                        <p:tgtEl>
+                                          <p:spTgt spid="3"/>
+                                        </p:tgtEl>
+                                        <p:attrNameLst>
+                                          <p:attrName>style.visibility</p:attrName>
+                                        </p:attrNameLst>
+                                      </p:cBhvr>
+                                      <p:to>
+                                        <p:strVal val="hidden"/>
+                                      </p:to>
+                                    </p:set>
+                                  </p:childTnLst>
+                                </p:cTn>
+                              </p:par>
+                              <p:par>
+                                <p:cTn id="83" presetID="10" presetClass="exit" presetSubtype="0" fill="hold" nodeType="withEffect">
+                                  <p:stCondLst>
+                                    <p:cond delay="0"/>
+                                  </p:stCondLst>
+                                  <p:childTnLst>
+                                    <p:animEffect transition="out" filter="fade">
+                                      <p:cBhvr>
+                                        <p:cTn id="84" dur="600"/>
+                                        <p:tgtEl>
+                                          <p:spTgt spid="5"/>
+                                        </p:tgtEl>
+                                      </p:cBhvr>
+                                    </p:animEffect>
+                                    <p:set>
+                                      <p:cBhvr>
+                                        <p:cTn id="85" dur="1" fill="hold">
+                                          <p:stCondLst>
+                                            <p:cond delay="599"/>
+                                          </p:stCondLst>
+                                        </p:cTn>
+                                        <p:tgtEl>
+                                          <p:spTgt spid="5"/>
+                                        </p:tgtEl>
+                                        <p:attrNameLst>
+                                          <p:attrName>style.visibility</p:attrName>
+                                        </p:attrNameLst>
+                                      </p:cBhvr>
+                                      <p:to>
+                                        <p:strVal val="hidden"/>
+                                      </p:to>
+                                    </p:set>
+                                  </p:childTnLst>
+                                </p:cTn>
+                              </p:par>
+                            </p:childTnLst>
+                          </p:cTn>
+                        </p:par>
+                        <p:par>
+                          <p:cTn id="86" fill="hold">
+                            <p:stCondLst>
+                              <p:cond delay="600"/>
+                            </p:stCondLst>
+                            <p:childTnLst>
+                              <p:par>
+                                <p:cTn id="87" presetID="10" presetClass="entr" presetSubtype="0" fill="hold" nodeType="afterEffect">
+                                  <p:stCondLst>
+                                    <p:cond delay="0"/>
+                                  </p:stCondLst>
+                                  <p:childTnLst>
+                                    <p:set>
+                                      <p:cBhvr>
+                                        <p:cTn id="88" dur="1" fill="hold">
+                                          <p:stCondLst>
+                                            <p:cond delay="0"/>
+                                          </p:stCondLst>
+                                        </p:cTn>
+                                        <p:tgtEl>
+                                          <p:spTgt spid="127"/>
+                                        </p:tgtEl>
+                                        <p:attrNameLst>
+                                          <p:attrName>style.visibility</p:attrName>
+                                        </p:attrNameLst>
+                                      </p:cBhvr>
+                                      <p:to>
+                                        <p:strVal val="visible"/>
+                                      </p:to>
+                                    </p:set>
+                                    <p:animEffect transition="in" filter="fade">
+                                      <p:cBhvr>
+                                        <p:cTn id="89" dur="500"/>
+                                        <p:tgtEl>
+                                          <p:spTgt spid="127"/>
+                                        </p:tgtEl>
+                                      </p:cBhvr>
+                                    </p:animEffect>
+                                  </p:childTnLst>
+                                </p:cTn>
+                              </p:par>
+                            </p:childTnLst>
+                          </p:cTn>
+                        </p:par>
+                      </p:childTnLst>
+                    </p:cTn>
+                  </p:par>
+                  <p:par>
+                    <p:cTn id="90" fill="hold">
+                      <p:stCondLst>
+                        <p:cond delay="indefinite"/>
+                      </p:stCondLst>
+                      <p:childTnLst>
+                        <p:par>
+                          <p:cTn id="91" fill="hold">
+                            <p:stCondLst>
+                              <p:cond delay="0"/>
+                            </p:stCondLst>
+                            <p:childTnLst>
+                              <p:par>
+                                <p:cTn id="92" presetID="10" presetClass="exit" presetSubtype="0" fill="hold" nodeType="clickEffect">
+                                  <p:stCondLst>
+                                    <p:cond delay="0"/>
+                                  </p:stCondLst>
+                                  <p:childTnLst>
+                                    <p:animEffect transition="out" filter="fade">
+                                      <p:cBhvr>
+                                        <p:cTn id="93" dur="500"/>
+                                        <p:tgtEl>
+                                          <p:spTgt spid="127"/>
+                                        </p:tgtEl>
+                                      </p:cBhvr>
+                                    </p:animEffect>
+                                    <p:set>
+                                      <p:cBhvr>
+                                        <p:cTn id="94" dur="1" fill="hold">
+                                          <p:stCondLst>
+                                            <p:cond delay="499"/>
+                                          </p:stCondLst>
+                                        </p:cTn>
+                                        <p:tgtEl>
+                                          <p:spTgt spid="127"/>
+                                        </p:tgtEl>
+                                        <p:attrNameLst>
+                                          <p:attrName>style.visibility</p:attrName>
+                                        </p:attrNameLst>
+                                      </p:cBhvr>
+                                      <p:to>
+                                        <p:strVal val="hidden"/>
+                                      </p:to>
+                                    </p:set>
+                                  </p:childTnLst>
+                                </p:cTn>
+                              </p:par>
+                            </p:childTnLst>
+                          </p:cTn>
+                        </p:par>
+                      </p:childTnLst>
+                    </p:cTn>
+                  </p:par>
+                </p:childTnLst>
+              </p:cTn>
+              <p:prevCondLst>
+                <p:cond evt="onPrev" delay="0">
+                  <p:tgtEl>
+                    <p:sldTgt/>
+                  </p:tgtEl>
+                </p:cond>
+              </p:prevCondLst>
+              <p:nextCondLst>
+                <p:cond evt="onNext" delay="0">
+                  <p:tgtEl>
+                    <p:sldTgt/>
+                  </p:tgtEl>
+                </p:cond>
+              </p:nextCondLst>
+            </p:seq>
+          </p:childTnLst>
+        </p:cTn>
+      </p:par>
+    </p:tnLst>
+    <p:bldLst>
+      <p:bldP spid="112" grpId="1" animBg="1"/>
+    </p:bldLst>
+  </p:timing>
 </p:sld>
 </file>
 
@@ -4054,10 +4917,16 @@
         <p:nvGraphicFramePr>
           <p:cNvPr id="130" name="Inhaltsplatzhalter 7"/>
           <p:cNvGraphicFramePr/>
-          <p:nvPr/>
+          <p:nvPr>
+            <p:extLst>
+              <p:ext uri="{D42A27DB-BD31-4B8C-83A1-F6EECF244321}">
+                <p14:modId xmlns:p14="http://schemas.microsoft.com/office/powerpoint/2010/main" val="2236889719"/>
+              </p:ext>
+            </p:extLst>
+          </p:nvPr>
         </p:nvGraphicFramePr>
         <p:xfrm>
-          <a:off x="2961850" y="2324099"/>
+          <a:off x="2961850" y="2038349"/>
           <a:ext cx="6268300" cy="3556332"/>
         </p:xfrm>
         <a:graphic>
@@ -4200,6 +5069,7 @@
                         <a:defRPr sz="1800"/>
                       </a:pPr>
                       <a:r>
+                        <a:rPr dirty="0"/>
                         <a:t>517
 ~1.6%</a:t>
                       </a:r>
@@ -4266,6 +5136,7 @@
                         <a:defRPr sz="1800"/>
                       </a:pPr>
                       <a:r>
+                        <a:rPr dirty="0"/>
                         <a:t>27949
 ~87.8%</a:t>
                       </a:r>
@@ -4307,7 +5178,7 @@
           </a:prstGeom>
           <a:extLst>
             <a:ext uri="{C572A759-6A51-4108-AA02-DFA0A04FC94B}">
-              <ma14:wrappingTextBoxFlag xmlns:ma14="http://schemas.microsoft.com/office/mac/drawingml/2011/main" xmlns:a14="http://schemas.microsoft.com/office/drawing/2010/main" xmlns:m="http://schemas.openxmlformats.org/officeDocument/2006/math" xmlns="" val="1"/>
+              <ma14:wrappingTextBoxFlag xmlns="" xmlns:m="http://schemas.openxmlformats.org/officeDocument/2006/math" xmlns:a14="http://schemas.microsoft.com/office/drawing/2010/main" xmlns:ma14="http://schemas.microsoft.com/office/mac/drawingml/2011/main" val="1"/>
             </a:ext>
           </a:extLst>
         </p:spPr>
